--- a/forest_fires/ApresentaçãoModelo.pptx
+++ b/forest_fires/ApresentaçãoModelo.pptx
@@ -5,10 +5,10 @@
     <p:sldMasterId id="2147483672" r:id="rId4"/>
   </p:sldMasterIdLst>
   <p:notesMasterIdLst>
-    <p:notesMasterId r:id="rId16"/>
+    <p:notesMasterId r:id="rId20"/>
   </p:notesMasterIdLst>
   <p:handoutMasterIdLst>
-    <p:handoutMasterId r:id="rId17"/>
+    <p:handoutMasterId r:id="rId21"/>
   </p:handoutMasterIdLst>
   <p:sldIdLst>
     <p:sldId id="256" r:id="rId5"/>
@@ -21,7 +21,11 @@
     <p:sldId id="268" r:id="rId12"/>
     <p:sldId id="267" r:id="rId13"/>
     <p:sldId id="270" r:id="rId14"/>
-    <p:sldId id="260" r:id="rId15"/>
+    <p:sldId id="271" r:id="rId15"/>
+    <p:sldId id="272" r:id="rId16"/>
+    <p:sldId id="273" r:id="rId17"/>
+    <p:sldId id="274" r:id="rId18"/>
+    <p:sldId id="260" r:id="rId19"/>
   </p:sldIdLst>
   <p:sldSz cx="12192000" cy="6858000"/>
   <p:notesSz cx="6858000" cy="9144000"/>
@@ -3140,7 +3144,7 @@
           <a:p>
             <a:fld id="{69BDF94E-9595-4903-9DDC-FDADCBF39DEC}" type="datetimeFigureOut">
               <a:rPr lang="pt-BR" smtClean="0"/>
-              <a:t>10/10/2020</a:t>
+              <a:t>12/10/2020</a:t>
             </a:fld>
             <a:endParaRPr lang="pt-BR"/>
           </a:p>
@@ -3317,7 +3321,7 @@
           <a:p>
             <a:fld id="{4982EF54-A1F6-4E34-830B-86C7368B97CA}" type="datetimeFigureOut">
               <a:rPr lang="pt-BR" noProof="0" smtClean="0"/>
-              <a:t>10/10/2020</a:t>
+              <a:t>12/10/2020</a:t>
             </a:fld>
             <a:endParaRPr lang="pt-BR" noProof="0"/>
           </a:p>
@@ -4072,7 +4076,126 @@
           <a:bodyPr/>
           <a:lstStyle/>
           <a:p>
-            <a:endParaRPr lang="pt-BR"/>
+            <a:pPr marL="0" marR="0" lvl="0" indent="0" algn="l" defTabSz="914400" rtl="0" eaLnBrk="0" fontAlgn="base" latinLnBrk="0" hangingPunct="0">
+              <a:lnSpc>
+                <a:spcPct val="100000"/>
+              </a:lnSpc>
+              <a:spcBef>
+                <a:spcPct val="0"/>
+              </a:spcBef>
+              <a:spcAft>
+                <a:spcPct val="0"/>
+              </a:spcAft>
+              <a:buClrTx/>
+              <a:buSzTx/>
+              <a:buFontTx/>
+              <a:buNone/>
+              <a:tabLst/>
+            </a:pPr>
+            <a:r>
+              <a:rPr kumimoji="0" lang="pt-PT" altLang="pt-BR" sz="1200" b="0" i="0" u="none" strike="noStrike" cap="none" normalizeH="0" baseline="0" dirty="0">
+                <a:ln>
+                  <a:noFill/>
+                </a:ln>
+                <a:solidFill>
+                  <a:srgbClr val="222222"/>
+                </a:solidFill>
+                <a:effectLst/>
+                <a:latin typeface="inherit"/>
+              </a:rPr>
+              <a:t>O tamanho do lote na descida gradiente iterativa é o número de padrões mostrados à rede antes que os pesos sejam atualizados. É também uma otimização no treinamento da rede, definindo quantos padrões ler por vez e manter na memória. O número de épocas é o número de vezes que todo o conjunto de dados de treinamento é mostrado à rede durante o treinamento. Algumas redes são sensíveis ao tamanho do lote, como redes neurais recorrentes LSTM e redes neurais convolucionais.</a:t>
+            </a:r>
+            <a:r>
+              <a:rPr kumimoji="0" lang="pt-PT" altLang="pt-BR" sz="300" b="0" i="0" u="none" strike="noStrike" cap="none" normalizeH="0" baseline="0" dirty="0">
+                <a:ln>
+                  <a:noFill/>
+                </a:ln>
+                <a:solidFill>
+                  <a:schemeClr val="tx1"/>
+                </a:solidFill>
+                <a:effectLst/>
+              </a:rPr>
+              <a:t> </a:t>
+            </a:r>
+          </a:p>
+          <a:p>
+            <a:pPr marL="0" marR="0" lvl="0" indent="0" algn="l" defTabSz="914400" rtl="0" eaLnBrk="0" fontAlgn="base" latinLnBrk="0" hangingPunct="0">
+              <a:lnSpc>
+                <a:spcPct val="100000"/>
+              </a:lnSpc>
+              <a:spcBef>
+                <a:spcPct val="0"/>
+              </a:spcBef>
+              <a:spcAft>
+                <a:spcPct val="0"/>
+              </a:spcAft>
+              <a:buClrTx/>
+              <a:buSzTx/>
+              <a:buFontTx/>
+              <a:buNone/>
+              <a:tabLst/>
+            </a:pPr>
+            <a:r>
+              <a:rPr kumimoji="0" lang="pt-PT" altLang="pt-BR" sz="300" b="0" i="0" u="none" strike="noStrike" cap="none" normalizeH="0" baseline="0" dirty="0">
+                <a:ln>
+                  <a:noFill/>
+                </a:ln>
+                <a:solidFill>
+                  <a:schemeClr val="tx1"/>
+                </a:solidFill>
+                <a:effectLst/>
+                <a:latin typeface="Arial" panose="020B0604020202020204" pitchFamily="34" charset="0"/>
+              </a:rPr>
+              <a:t>Dropout_rate = </a:t>
+            </a:r>
+            <a:r>
+              <a:rPr lang="pt-PT" sz="1400" dirty="0"/>
+              <a:t>um esforço para limitar o sobreajuste e melhorar a capacidade de generalização do modelo.</a:t>
+            </a:r>
+          </a:p>
+          <a:p>
+            <a:pPr algn="l"/>
+            <a:r>
+              <a:rPr lang="pt-BR" sz="1400" b="0" i="0" dirty="0">
+                <a:solidFill>
+                  <a:srgbClr val="222222"/>
+                </a:solidFill>
+                <a:effectLst/>
+                <a:latin typeface="arial" panose="020B0604020202020204" pitchFamily="34" charset="0"/>
+              </a:rPr>
+              <a:t>Um valor comum é uma probabilidade de 0,5 para reter a saída de cada nó em uma camada oculta e um valor próximo a 1,0, como 0,8, para reter as entradas da camada visível.</a:t>
+            </a:r>
+          </a:p>
+          <a:p>
+            <a:pPr marL="0" marR="0" lvl="0" indent="0" algn="l" defTabSz="914400" rtl="0" eaLnBrk="0" fontAlgn="base" latinLnBrk="0" hangingPunct="0">
+              <a:lnSpc>
+                <a:spcPct val="100000"/>
+              </a:lnSpc>
+              <a:spcBef>
+                <a:spcPct val="0"/>
+              </a:spcBef>
+              <a:spcAft>
+                <a:spcPct val="0"/>
+              </a:spcAft>
+              <a:buClrTx/>
+              <a:buSzTx/>
+              <a:buFontTx/>
+              <a:buNone/>
+              <a:tabLst/>
+            </a:pPr>
+            <a:endParaRPr kumimoji="0" lang="pt-PT" altLang="pt-BR" sz="1050" b="0" i="0" u="none" strike="noStrike" cap="none" normalizeH="0" baseline="0" dirty="0">
+              <a:ln>
+                <a:noFill/>
+              </a:ln>
+              <a:solidFill>
+                <a:schemeClr val="tx1"/>
+              </a:solidFill>
+              <a:effectLst/>
+              <a:latin typeface="Arial" panose="020B0604020202020204" pitchFamily="34" charset="0"/>
+            </a:endParaRPr>
+          </a:p>
+          <a:p>
+            <a:endParaRPr lang="pt-BR" dirty="0"/>
           </a:p>
         </p:txBody>
       </p:sp>
@@ -4093,7 +4216,91 @@
           <a:p>
             <a:fld id="{5CB4D1C2-4E59-41B0-9C33-711FA5262530}" type="slidenum">
               <a:rPr lang="pt-BR" noProof="0" smtClean="0"/>
-              <a:t>11</a:t>
+              <a:t>13</a:t>
+            </a:fld>
+            <a:endParaRPr lang="pt-BR" noProof="0"/>
+          </a:p>
+        </p:txBody>
+      </p:sp>
+    </p:spTree>
+    <p:extLst>
+      <p:ext uri="{BB962C8B-B14F-4D97-AF65-F5344CB8AC3E}">
+        <p14:creationId xmlns:p14="http://schemas.microsoft.com/office/powerpoint/2010/main" val="4224492868"/>
+      </p:ext>
+    </p:extLst>
+  </p:cSld>
+  <p:clrMapOvr>
+    <a:masterClrMapping/>
+  </p:clrMapOvr>
+</p:notes>
+</file>
+
+<file path=ppt/notesSlides/notesSlide7.xml><?xml version="1.0" encoding="utf-8"?>
+<p:notes xmlns:a="http://schemas.openxmlformats.org/drawingml/2006/main" xmlns:r="http://schemas.openxmlformats.org/officeDocument/2006/relationships" xmlns:p="http://schemas.openxmlformats.org/presentationml/2006/main">
+  <p:cSld>
+    <p:spTree>
+      <p:nvGrpSpPr>
+        <p:cNvPr id="1" name=""/>
+        <p:cNvGrpSpPr/>
+        <p:nvPr/>
+      </p:nvGrpSpPr>
+      <p:grpSpPr>
+        <a:xfrm>
+          <a:off x="0" y="0"/>
+          <a:ext cx="0" cy="0"/>
+          <a:chOff x="0" y="0"/>
+          <a:chExt cx="0" cy="0"/>
+        </a:xfrm>
+      </p:grpSpPr>
+      <p:sp>
+        <p:nvSpPr>
+          <p:cNvPr id="2" name="Espaço Reservado para Imagem de Slide 1"/>
+          <p:cNvSpPr>
+            <a:spLocks noGrp="1" noRot="1" noChangeAspect="1"/>
+          </p:cNvSpPr>
+          <p:nvPr>
+            <p:ph type="sldImg"/>
+          </p:nvPr>
+        </p:nvSpPr>
+        <p:spPr/>
+      </p:sp>
+      <p:sp>
+        <p:nvSpPr>
+          <p:cNvPr id="3" name="Espaço Reservado para Anotações 2"/>
+          <p:cNvSpPr>
+            <a:spLocks noGrp="1"/>
+          </p:cNvSpPr>
+          <p:nvPr>
+            <p:ph type="body" idx="1"/>
+          </p:nvPr>
+        </p:nvSpPr>
+        <p:spPr/>
+        <p:txBody>
+          <a:bodyPr/>
+          <a:lstStyle/>
+          <a:p>
+            <a:endParaRPr lang="pt-BR"/>
+          </a:p>
+        </p:txBody>
+      </p:sp>
+      <p:sp>
+        <p:nvSpPr>
+          <p:cNvPr id="4" name="Espaço Reservado para Número de Slide 3"/>
+          <p:cNvSpPr>
+            <a:spLocks noGrp="1"/>
+          </p:cNvSpPr>
+          <p:nvPr>
+            <p:ph type="sldNum" sz="quarter" idx="5"/>
+          </p:nvPr>
+        </p:nvSpPr>
+        <p:spPr/>
+        <p:txBody>
+          <a:bodyPr/>
+          <a:lstStyle/>
+          <a:p>
+            <a:fld id="{5CB4D1C2-4E59-41B0-9C33-711FA5262530}" type="slidenum">
+              <a:rPr lang="pt-BR" noProof="0" smtClean="0"/>
+              <a:t>15</a:t>
             </a:fld>
             <a:endParaRPr lang="pt-BR" noProof="0"/>
           </a:p>
@@ -4358,7 +4565,7 @@
             <a:pPr rtl="0"/>
             <a:fld id="{09234CA2-9F5E-48FA-843C-0B2031554A67}" type="datetime1">
               <a:rPr lang="pt-BR" noProof="0" smtClean="0"/>
-              <a:t>10/10/2020</a:t>
+              <a:t>12/10/2020</a:t>
             </a:fld>
             <a:endParaRPr lang="pt-BR" noProof="0"/>
           </a:p>
@@ -4623,7 +4830,7 @@
             <a:pPr rtl="0"/>
             <a:fld id="{631BE170-2D6A-4F23-959F-F3FDD7EE17C8}" type="datetime1">
               <a:rPr lang="pt-BR" noProof="0" smtClean="0"/>
-              <a:t>10/10/2020</a:t>
+              <a:t>12/10/2020</a:t>
             </a:fld>
             <a:endParaRPr lang="pt-BR" noProof="0"/>
           </a:p>
@@ -4861,7 +5068,7 @@
             <a:pPr rtl="0"/>
             <a:fld id="{CCF2502B-DA48-44EE-974F-4401E37897C2}" type="datetime1">
               <a:rPr lang="pt-BR" noProof="0" smtClean="0"/>
-              <a:t>10/10/2020</a:t>
+              <a:t>12/10/2020</a:t>
             </a:fld>
             <a:endParaRPr lang="pt-BR" noProof="0"/>
           </a:p>
@@ -5104,7 +5311,7 @@
             <a:pPr rtl="0"/>
             <a:fld id="{A7B1F27E-7DAF-45D3-90B3-991C8DB57655}" type="datetime1">
               <a:rPr lang="pt-BR" noProof="0" smtClean="0"/>
-              <a:t>10/10/2020</a:t>
+              <a:t>12/10/2020</a:t>
             </a:fld>
             <a:endParaRPr lang="pt-BR" noProof="0"/>
           </a:p>
@@ -5415,7 +5622,7 @@
             <a:pPr rtl="0"/>
             <a:fld id="{9C84BDBB-7383-475F-BEA4-6DEA016CA495}" type="datetime1">
               <a:rPr lang="pt-BR" noProof="0" smtClean="0"/>
-              <a:t>10/10/2020</a:t>
+              <a:t>12/10/2020</a:t>
             </a:fld>
             <a:endParaRPr lang="pt-BR" noProof="0"/>
           </a:p>
@@ -5719,7 +5926,7 @@
             <a:pPr rtl="0"/>
             <a:fld id="{F0F057F5-8FF5-4D8D-8D1D-AB2EA718C0A8}" type="datetime1">
               <a:rPr lang="pt-BR" noProof="0" smtClean="0"/>
-              <a:t>10/10/2020</a:t>
+              <a:t>12/10/2020</a:t>
             </a:fld>
             <a:endParaRPr lang="pt-BR" noProof="0"/>
           </a:p>
@@ -6143,7 +6350,7 @@
             <a:pPr rtl="0"/>
             <a:fld id="{7A6DEE47-7D13-43F4-ABED-3A5080F68646}" type="datetime1">
               <a:rPr lang="pt-BR" noProof="0" smtClean="0"/>
-              <a:t>10/10/2020</a:t>
+              <a:t>12/10/2020</a:t>
             </a:fld>
             <a:endParaRPr lang="pt-BR" noProof="0"/>
           </a:p>
@@ -6242,7 +6449,7 @@
             <a:pPr rtl="0"/>
             <a:fld id="{BE973E3D-DBBF-4A29-999A-7303C12DCD81}" type="datetime1">
               <a:rPr lang="pt-BR" noProof="0" smtClean="0"/>
-              <a:t>10/10/2020</a:t>
+              <a:t>12/10/2020</a:t>
             </a:fld>
             <a:endParaRPr lang="pt-BR" noProof="0"/>
           </a:p>
@@ -6408,7 +6615,7 @@
             <a:pPr rtl="0"/>
             <a:fld id="{174E23CD-D9DA-4A76-9BB0-7BEF6E78EC36}" type="datetime1">
               <a:rPr lang="pt-BR" noProof="0" smtClean="0"/>
-              <a:t>10/10/2020</a:t>
+              <a:t>12/10/2020</a:t>
             </a:fld>
             <a:endParaRPr lang="pt-BR" noProof="0"/>
           </a:p>
@@ -6789,7 +6996,7 @@
             <a:pPr rtl="0"/>
             <a:fld id="{E782A511-DCA3-4DB1-B232-6DE9BF3E093E}" type="datetime1">
               <a:rPr lang="pt-BR" noProof="0" smtClean="0"/>
-              <a:t>10/10/2020</a:t>
+              <a:t>12/10/2020</a:t>
             </a:fld>
             <a:endParaRPr lang="pt-BR" noProof="0"/>
           </a:p>
@@ -7082,7 +7289,7 @@
             <a:pPr rtl="0"/>
             <a:fld id="{01A46BD8-7B90-4F0C-B77B-34482E71BE4B}" type="datetime1">
               <a:rPr lang="pt-BR" noProof="0" smtClean="0"/>
-              <a:t>10/10/2020</a:t>
+              <a:t>12/10/2020</a:t>
             </a:fld>
             <a:endParaRPr lang="pt-BR" noProof="0"/>
           </a:p>
@@ -7296,7 +7503,7 @@
             <a:pPr rtl="0"/>
             <a:fld id="{0D110607-227D-4A11-B3D0-0B2B6E648C32}" type="datetime1">
               <a:rPr lang="pt-BR" noProof="0" smtClean="0"/>
-              <a:t>10/10/2020</a:t>
+              <a:t>12/10/2020</a:t>
             </a:fld>
             <a:endParaRPr lang="pt-BR" noProof="0"/>
           </a:p>
@@ -8478,6 +8685,160 @@
           </a:p>
         </p:txBody>
       </p:sp>
+      <p:sp>
+        <p:nvSpPr>
+          <p:cNvPr id="4" name="CaixaDeTexto 3">
+            <a:extLst>
+              <a:ext uri="{FF2B5EF4-FFF2-40B4-BE49-F238E27FC236}">
+                <a16:creationId xmlns:a16="http://schemas.microsoft.com/office/drawing/2014/main" id="{BB3EFDB8-35D9-4F8A-9932-BC322703043F}"/>
+              </a:ext>
+            </a:extLst>
+          </p:cNvPr>
+          <p:cNvSpPr txBox="1"/>
+          <p:nvPr/>
+        </p:nvSpPr>
+        <p:spPr>
+          <a:xfrm>
+            <a:off x="6230661" y="2039542"/>
+            <a:ext cx="5265000" cy="3416320"/>
+          </a:xfrm>
+          <a:prstGeom prst="rect">
+            <a:avLst/>
+          </a:prstGeom>
+          <a:noFill/>
+        </p:spPr>
+        <p:txBody>
+          <a:bodyPr wrap="square">
+            <a:spAutoFit/>
+          </a:bodyPr>
+          <a:lstStyle/>
+          <a:p>
+            <a:pPr algn="l" fontAlgn="base"/>
+            <a:br>
+              <a:rPr lang="pt-BR" dirty="0"/>
+            </a:br>
+            <a:r>
+              <a:rPr lang="pt-BR" dirty="0">
+                <a:solidFill>
+                  <a:srgbClr val="222222"/>
+                </a:solidFill>
+                <a:latin typeface="inherit"/>
+              </a:rPr>
+              <a:t>Gráfico de função de autocorrelação (ACF), dos dados. Os pontos acima da área azul indicam significância estatística. </a:t>
+            </a:r>
+          </a:p>
+          <a:p>
+            <a:pPr algn="l" fontAlgn="base"/>
+            <a:r>
+              <a:rPr lang="pt-BR" dirty="0">
+                <a:solidFill>
+                  <a:srgbClr val="222222"/>
+                </a:solidFill>
+                <a:latin typeface="inherit"/>
+              </a:rPr>
+              <a:t>A correlação de 1 para o valor de </a:t>
+            </a:r>
+            <a:r>
+              <a:rPr lang="pt-BR" dirty="0" err="1">
+                <a:solidFill>
+                  <a:srgbClr val="222222"/>
+                </a:solidFill>
+                <a:latin typeface="inherit"/>
+              </a:rPr>
+              <a:t>lag</a:t>
+            </a:r>
+            <a:r>
+              <a:rPr lang="pt-BR" dirty="0">
+                <a:solidFill>
+                  <a:srgbClr val="222222"/>
+                </a:solidFill>
+                <a:latin typeface="inherit"/>
+              </a:rPr>
+              <a:t> de 0 indica 100% de correlação positiva de uma observação consigo mesma. </a:t>
+            </a:r>
+          </a:p>
+          <a:p>
+            <a:pPr algn="l" fontAlgn="base"/>
+            <a:r>
+              <a:rPr lang="pt-BR" dirty="0">
+                <a:solidFill>
+                  <a:srgbClr val="222222"/>
+                </a:solidFill>
+                <a:latin typeface="inherit"/>
+              </a:rPr>
+              <a:t>O gráfico mostra valores significativos em 1, 6, 12 e 18 meses.</a:t>
+            </a:r>
+          </a:p>
+          <a:p>
+            <a:pPr algn="l" fontAlgn="base"/>
+            <a:r>
+              <a:rPr lang="pt-BR" dirty="0" err="1">
+                <a:solidFill>
+                  <a:srgbClr val="222222"/>
+                </a:solidFill>
+                <a:latin typeface="inherit"/>
+              </a:rPr>
+              <a:t>Lag</a:t>
+            </a:r>
+            <a:r>
+              <a:rPr lang="pt-BR" dirty="0">
+                <a:solidFill>
+                  <a:srgbClr val="222222"/>
+                </a:solidFill>
+                <a:latin typeface="inherit"/>
+              </a:rPr>
+              <a:t> escolhido = 6 meses</a:t>
+            </a:r>
+          </a:p>
+          <a:p>
+            <a:pPr algn="l" fontAlgn="base"/>
+            <a:br>
+              <a:rPr lang="en-US" dirty="0">
+                <a:solidFill>
+                  <a:srgbClr val="222222"/>
+                </a:solidFill>
+                <a:latin typeface="inherit"/>
+              </a:rPr>
+            </a:br>
+            <a:endParaRPr lang="pt-BR" dirty="0">
+              <a:solidFill>
+                <a:srgbClr val="222222"/>
+              </a:solidFill>
+              <a:latin typeface="inherit"/>
+            </a:endParaRPr>
+          </a:p>
+        </p:txBody>
+      </p:sp>
+      <p:pic>
+        <p:nvPicPr>
+          <p:cNvPr id="5" name="Imagem 4">
+            <a:extLst>
+              <a:ext uri="{FF2B5EF4-FFF2-40B4-BE49-F238E27FC236}">
+                <a16:creationId xmlns:a16="http://schemas.microsoft.com/office/drawing/2014/main" id="{B243B6B0-F463-4821-A7B5-4FA9973DCE92}"/>
+              </a:ext>
+            </a:extLst>
+          </p:cNvPr>
+          <p:cNvPicPr>
+            <a:picLocks noChangeAspect="1"/>
+          </p:cNvPicPr>
+          <p:nvPr/>
+        </p:nvPicPr>
+        <p:blipFill>
+          <a:blip r:embed="rId2"/>
+          <a:stretch>
+            <a:fillRect/>
+          </a:stretch>
+        </p:blipFill>
+        <p:spPr>
+          <a:xfrm>
+            <a:off x="150372" y="2039542"/>
+            <a:ext cx="5945628" cy="4088800"/>
+          </a:xfrm>
+          <a:prstGeom prst="rect">
+            <a:avLst/>
+          </a:prstGeom>
+        </p:spPr>
+      </p:pic>
     </p:spTree>
     <p:extLst>
       <p:ext uri="{BB962C8B-B14F-4D97-AF65-F5344CB8AC3E}">
@@ -8492,6 +8853,2748 @@
 </file>
 
 <file path=ppt/slides/slide11.xml><?xml version="1.0" encoding="utf-8"?>
+<p:sld xmlns:a="http://schemas.openxmlformats.org/drawingml/2006/main" xmlns:r="http://schemas.openxmlformats.org/officeDocument/2006/relationships" xmlns:p="http://schemas.openxmlformats.org/presentationml/2006/main">
+  <p:cSld>
+    <p:spTree>
+      <p:nvGrpSpPr>
+        <p:cNvPr id="1" name=""/>
+        <p:cNvGrpSpPr/>
+        <p:nvPr/>
+      </p:nvGrpSpPr>
+      <p:grpSpPr>
+        <a:xfrm>
+          <a:off x="0" y="0"/>
+          <a:ext cx="0" cy="0"/>
+          <a:chOff x="0" y="0"/>
+          <a:chExt cx="0" cy="0"/>
+        </a:xfrm>
+      </p:grpSpPr>
+      <p:sp>
+        <p:nvSpPr>
+          <p:cNvPr id="2" name="Título 1">
+            <a:extLst>
+              <a:ext uri="{FF2B5EF4-FFF2-40B4-BE49-F238E27FC236}">
+                <a16:creationId xmlns:a16="http://schemas.microsoft.com/office/drawing/2014/main" id="{583573E7-2122-45A3-849C-0FEF770CC880}"/>
+              </a:ext>
+            </a:extLst>
+          </p:cNvPr>
+          <p:cNvSpPr>
+            <a:spLocks noGrp="1"/>
+          </p:cNvSpPr>
+          <p:nvPr>
+            <p:ph type="title"/>
+          </p:nvPr>
+        </p:nvSpPr>
+        <p:spPr/>
+        <p:txBody>
+          <a:bodyPr/>
+          <a:lstStyle/>
+          <a:p>
+            <a:r>
+              <a:rPr lang="pt-BR" dirty="0"/>
+              <a:t>Modelagem dos dados</a:t>
+            </a:r>
+          </a:p>
+        </p:txBody>
+      </p:sp>
+      <p:sp>
+        <p:nvSpPr>
+          <p:cNvPr id="3" name="Espaço Reservado para Conteúdo 2">
+            <a:extLst>
+              <a:ext uri="{FF2B5EF4-FFF2-40B4-BE49-F238E27FC236}">
+                <a16:creationId xmlns:a16="http://schemas.microsoft.com/office/drawing/2014/main" id="{0B640FB1-1061-49B2-8924-C7C09C7B0147}"/>
+              </a:ext>
+            </a:extLst>
+          </p:cNvPr>
+          <p:cNvSpPr>
+            <a:spLocks noGrp="1"/>
+          </p:cNvSpPr>
+          <p:nvPr>
+            <p:ph sz="half" idx="1"/>
+          </p:nvPr>
+        </p:nvSpPr>
+        <p:spPr/>
+        <p:txBody>
+          <a:bodyPr/>
+          <a:lstStyle/>
+          <a:p>
+            <a:r>
+              <a:rPr lang="pt-BR" b="1" dirty="0"/>
+              <a:t>Cross </a:t>
+            </a:r>
+            <a:r>
+              <a:rPr lang="pt-BR" b="1" dirty="0" err="1"/>
+              <a:t>Validation</a:t>
+            </a:r>
+            <a:r>
+              <a:rPr lang="pt-BR" b="1" dirty="0"/>
+              <a:t> - </a:t>
+            </a:r>
+            <a:r>
+              <a:rPr lang="pt-BR" b="1" dirty="0" err="1"/>
+              <a:t>TimeSeriesSplit</a:t>
+            </a:r>
+            <a:endParaRPr lang="pt-BR" b="1" dirty="0"/>
+          </a:p>
+          <a:p>
+            <a:r>
+              <a:rPr kumimoji="0" lang="pt-PT" altLang="pt-BR" sz="1800" b="0" i="0" u="none" strike="noStrike" cap="none" normalizeH="0" baseline="0" dirty="0">
+                <a:ln>
+                  <a:noFill/>
+                </a:ln>
+                <a:solidFill>
+                  <a:srgbClr val="222222"/>
+                </a:solidFill>
+                <a:effectLst/>
+                <a:latin typeface="inherit"/>
+              </a:rPr>
+              <a:t>Fornece índices de treinamento / teste para dividir amostras de dados de série temporal que são observadas em intervalos de tempo fixos, em conjuntos de treinamento / teste. Em cada divisão, os índices de teste devem ser maiores do que os anteriores</a:t>
+            </a:r>
+          </a:p>
+          <a:p>
+            <a:r>
+              <a:rPr lang="pt-PT" altLang="pt-BR" dirty="0">
+                <a:solidFill>
+                  <a:srgbClr val="222222"/>
+                </a:solidFill>
+                <a:latin typeface="inherit"/>
+              </a:rPr>
+              <a:t>n_splits=4</a:t>
+            </a:r>
+            <a:endParaRPr kumimoji="0" lang="pt-PT" altLang="pt-BR" sz="1800" b="0" i="0" u="none" strike="noStrike" cap="none" normalizeH="0" baseline="0" dirty="0">
+              <a:ln>
+                <a:noFill/>
+              </a:ln>
+              <a:solidFill>
+                <a:srgbClr val="222222"/>
+              </a:solidFill>
+              <a:effectLst/>
+              <a:latin typeface="inherit"/>
+            </a:endParaRPr>
+          </a:p>
+          <a:p>
+            <a:endParaRPr kumimoji="0" lang="pt-PT" altLang="pt-BR" sz="1400" b="0" i="0" u="none" strike="noStrike" cap="none" normalizeH="0" baseline="0" dirty="0">
+              <a:ln>
+                <a:noFill/>
+              </a:ln>
+              <a:solidFill>
+                <a:schemeClr val="tx1"/>
+              </a:solidFill>
+              <a:effectLst/>
+              <a:latin typeface="Arial" panose="020B0604020202020204" pitchFamily="34" charset="0"/>
+            </a:endParaRPr>
+          </a:p>
+        </p:txBody>
+      </p:sp>
+      <p:sp>
+        <p:nvSpPr>
+          <p:cNvPr id="5" name="Rectangle 1">
+            <a:extLst>
+              <a:ext uri="{FF2B5EF4-FFF2-40B4-BE49-F238E27FC236}">
+                <a16:creationId xmlns:a16="http://schemas.microsoft.com/office/drawing/2014/main" id="{4C8BB26F-3044-44A6-92FF-5F15F9575CB5}"/>
+              </a:ext>
+            </a:extLst>
+          </p:cNvPr>
+          <p:cNvSpPr>
+            <a:spLocks noChangeArrowheads="1"/>
+          </p:cNvSpPr>
+          <p:nvPr/>
+        </p:nvSpPr>
+        <p:spPr bwMode="auto">
+          <a:xfrm>
+            <a:off x="0" y="102920"/>
+            <a:ext cx="65" cy="251359"/>
+          </a:xfrm>
+          <a:prstGeom prst="rect">
+            <a:avLst/>
+          </a:prstGeom>
+          <a:solidFill>
+            <a:srgbClr val="F8F9FA"/>
+          </a:solidFill>
+          <a:ln>
+            <a:noFill/>
+          </a:ln>
+          <a:effectLst/>
+          <a:extLst>
+            <a:ext uri="{91240B29-F687-4F45-9708-019B960494DF}">
+              <a14:hiddenLine xmlns:a14="http://schemas.microsoft.com/office/drawing/2010/main" w="9525">
+                <a:solidFill>
+                  <a:schemeClr val="tx1"/>
+                </a:solidFill>
+                <a:miter lim="800000"/>
+                <a:headEnd/>
+                <a:tailEnd/>
+              </a14:hiddenLine>
+            </a:ext>
+            <a:ext uri="{AF507438-7753-43E0-B8FC-AC1667EBCBE1}">
+              <a14:hiddenEffects xmlns:a14="http://schemas.microsoft.com/office/drawing/2010/main">
+                <a:effectLst>
+                  <a:outerShdw dist="35921" dir="2700000" algn="ctr" rotWithShape="0">
+                    <a:schemeClr val="bg2"/>
+                  </a:outerShdw>
+                </a:effectLst>
+              </a14:hiddenEffects>
+            </a:ext>
+          </a:extLst>
+        </p:spPr>
+        <p:txBody>
+          <a:bodyPr vert="horz" wrap="none" lIns="0" tIns="-12696" rIns="0" bIns="-12696" numCol="1" anchor="ctr" anchorCtr="0" compatLnSpc="1">
+            <a:prstTxWarp prst="textNoShape">
+              <a:avLst/>
+            </a:prstTxWarp>
+            <a:spAutoFit/>
+          </a:bodyPr>
+          <a:lstStyle/>
+          <a:p>
+            <a:pPr marL="0" marR="0" lvl="0" indent="0" algn="l" defTabSz="914400" rtl="0" eaLnBrk="0" fontAlgn="base" latinLnBrk="0" hangingPunct="0">
+              <a:lnSpc>
+                <a:spcPct val="100000"/>
+              </a:lnSpc>
+              <a:spcBef>
+                <a:spcPct val="0"/>
+              </a:spcBef>
+              <a:spcAft>
+                <a:spcPct val="0"/>
+              </a:spcAft>
+              <a:buClrTx/>
+              <a:buSzTx/>
+              <a:buFontTx/>
+              <a:buNone/>
+              <a:tabLst/>
+            </a:pPr>
+            <a:endParaRPr kumimoji="0" lang="pt-PT" altLang="pt-BR" sz="1800" b="0" i="0" u="none" strike="noStrike" cap="none" normalizeH="0" baseline="0" dirty="0">
+              <a:ln>
+                <a:noFill/>
+              </a:ln>
+              <a:solidFill>
+                <a:schemeClr val="tx1"/>
+              </a:solidFill>
+              <a:effectLst/>
+              <a:latin typeface="Arial" panose="020B0604020202020204" pitchFamily="34" charset="0"/>
+            </a:endParaRPr>
+          </a:p>
+        </p:txBody>
+      </p:sp>
+      <p:sp>
+        <p:nvSpPr>
+          <p:cNvPr id="6" name="Rectangle 2">
+            <a:extLst>
+              <a:ext uri="{FF2B5EF4-FFF2-40B4-BE49-F238E27FC236}">
+                <a16:creationId xmlns:a16="http://schemas.microsoft.com/office/drawing/2014/main" id="{74B983D8-6333-4343-9FB0-EDDCD9F1E25D}"/>
+              </a:ext>
+            </a:extLst>
+          </p:cNvPr>
+          <p:cNvSpPr>
+            <a:spLocks noGrp="1" noChangeArrowheads="1"/>
+          </p:cNvSpPr>
+          <p:nvPr>
+            <p:ph sz="half" idx="2"/>
+          </p:nvPr>
+        </p:nvSpPr>
+        <p:spPr bwMode="auto">
+          <a:xfrm>
+            <a:off x="6879080" y="1816024"/>
+            <a:ext cx="3753251" cy="3323987"/>
+          </a:xfrm>
+          <a:prstGeom prst="rect">
+            <a:avLst/>
+          </a:prstGeom>
+          <a:noFill/>
+          <a:ln>
+            <a:noFill/>
+          </a:ln>
+          <a:effectLst/>
+          <a:extLst>
+            <a:ext uri="{909E8E84-426E-40DD-AFC4-6F175D3DCCD1}">
+              <a14:hiddenFill xmlns:a14="http://schemas.microsoft.com/office/drawing/2010/main">
+                <a:solidFill>
+                  <a:schemeClr val="accent1"/>
+                </a:solidFill>
+              </a14:hiddenFill>
+            </a:ext>
+            <a:ext uri="{91240B29-F687-4F45-9708-019B960494DF}">
+              <a14:hiddenLine xmlns:a14="http://schemas.microsoft.com/office/drawing/2010/main" w="9525">
+                <a:solidFill>
+                  <a:schemeClr val="tx1"/>
+                </a:solidFill>
+                <a:miter lim="800000"/>
+                <a:headEnd/>
+                <a:tailEnd/>
+              </a14:hiddenLine>
+            </a:ext>
+            <a:ext uri="{AF507438-7753-43E0-B8FC-AC1667EBCBE1}">
+              <a14:hiddenEffects xmlns:a14="http://schemas.microsoft.com/office/drawing/2010/main">
+                <a:effectLst>
+                  <a:outerShdw dist="35921" dir="2700000" algn="ctr" rotWithShape="0">
+                    <a:schemeClr val="bg2"/>
+                  </a:outerShdw>
+                </a:effectLst>
+              </a14:hiddenEffects>
+            </a:ext>
+          </a:extLst>
+        </p:spPr>
+        <p:txBody>
+          <a:bodyPr vert="horz" wrap="square" lIns="91440" tIns="0" rIns="91440" bIns="0" numCol="1" anchor="ctr" anchorCtr="0" compatLnSpc="1">
+            <a:prstTxWarp prst="textNoShape">
+              <a:avLst/>
+            </a:prstTxWarp>
+            <a:spAutoFit/>
+          </a:bodyPr>
+          <a:lstStyle/>
+          <a:p>
+            <a:pPr marL="0" marR="0" lvl="0" indent="0" algn="l" defTabSz="914400" rtl="0" eaLnBrk="0" fontAlgn="base" latinLnBrk="0" hangingPunct="0">
+              <a:lnSpc>
+                <a:spcPct val="100000"/>
+              </a:lnSpc>
+              <a:spcBef>
+                <a:spcPct val="0"/>
+              </a:spcBef>
+              <a:spcAft>
+                <a:spcPct val="0"/>
+              </a:spcAft>
+              <a:buClrTx/>
+              <a:buSzTx/>
+              <a:buFontTx/>
+              <a:buNone/>
+              <a:tabLst/>
+            </a:pPr>
+            <a:endParaRPr lang="pt-BR" altLang="pt-BR" dirty="0">
+              <a:solidFill>
+                <a:srgbClr val="222222"/>
+              </a:solidFill>
+              <a:latin typeface="inherit"/>
+            </a:endParaRPr>
+          </a:p>
+          <a:p>
+            <a:pPr marL="0" marR="0" lvl="0" indent="0" algn="l" defTabSz="914400" rtl="0" eaLnBrk="0" fontAlgn="base" latinLnBrk="0" hangingPunct="0">
+              <a:lnSpc>
+                <a:spcPct val="100000"/>
+              </a:lnSpc>
+              <a:spcBef>
+                <a:spcPct val="0"/>
+              </a:spcBef>
+              <a:spcAft>
+                <a:spcPct val="0"/>
+              </a:spcAft>
+              <a:buClrTx/>
+              <a:buSzTx/>
+              <a:buFontTx/>
+              <a:buNone/>
+              <a:tabLst/>
+            </a:pPr>
+            <a:endParaRPr lang="pt-BR" altLang="pt-BR" dirty="0">
+              <a:solidFill>
+                <a:srgbClr val="222222"/>
+              </a:solidFill>
+              <a:latin typeface="inherit"/>
+            </a:endParaRPr>
+          </a:p>
+          <a:p>
+            <a:pPr marL="0" marR="0" lvl="0" indent="0" algn="l" defTabSz="914400" rtl="0" eaLnBrk="0" fontAlgn="base" latinLnBrk="0" hangingPunct="0">
+              <a:lnSpc>
+                <a:spcPct val="100000"/>
+              </a:lnSpc>
+              <a:spcBef>
+                <a:spcPct val="0"/>
+              </a:spcBef>
+              <a:spcAft>
+                <a:spcPct val="0"/>
+              </a:spcAft>
+              <a:buClrTx/>
+              <a:buSzTx/>
+              <a:buFontTx/>
+              <a:buNone/>
+              <a:tabLst/>
+            </a:pPr>
+            <a:endParaRPr lang="pt-BR" altLang="pt-BR" dirty="0">
+              <a:solidFill>
+                <a:srgbClr val="222222"/>
+              </a:solidFill>
+              <a:latin typeface="inherit"/>
+            </a:endParaRPr>
+          </a:p>
+          <a:p>
+            <a:pPr marL="0" marR="0" lvl="0" indent="0" algn="l" defTabSz="914400" rtl="0" eaLnBrk="0" fontAlgn="base" latinLnBrk="0" hangingPunct="0">
+              <a:lnSpc>
+                <a:spcPct val="100000"/>
+              </a:lnSpc>
+              <a:spcBef>
+                <a:spcPct val="0"/>
+              </a:spcBef>
+              <a:spcAft>
+                <a:spcPct val="0"/>
+              </a:spcAft>
+              <a:buClrTx/>
+              <a:buSzTx/>
+              <a:buFontTx/>
+              <a:buNone/>
+              <a:tabLst/>
+            </a:pPr>
+            <a:r>
+              <a:rPr lang="pt-BR" altLang="pt-BR" dirty="0">
+                <a:solidFill>
+                  <a:srgbClr val="222222"/>
+                </a:solidFill>
+                <a:latin typeface="inherit"/>
+              </a:rPr>
+              <a:t>TRAIN: [0] TEST: [1]</a:t>
+            </a:r>
+          </a:p>
+          <a:p>
+            <a:pPr marL="0" marR="0" lvl="0" indent="0" algn="l" defTabSz="914400" rtl="0" eaLnBrk="0" fontAlgn="base" latinLnBrk="0" hangingPunct="0">
+              <a:lnSpc>
+                <a:spcPct val="100000"/>
+              </a:lnSpc>
+              <a:spcBef>
+                <a:spcPct val="0"/>
+              </a:spcBef>
+              <a:spcAft>
+                <a:spcPct val="0"/>
+              </a:spcAft>
+              <a:buClrTx/>
+              <a:buSzTx/>
+              <a:buFontTx/>
+              <a:buNone/>
+              <a:tabLst/>
+            </a:pPr>
+            <a:endParaRPr lang="pt-BR" altLang="pt-BR" dirty="0">
+              <a:solidFill>
+                <a:srgbClr val="222222"/>
+              </a:solidFill>
+              <a:latin typeface="inherit"/>
+            </a:endParaRPr>
+          </a:p>
+          <a:p>
+            <a:pPr marL="0" marR="0" lvl="0" indent="0" algn="l" defTabSz="914400" rtl="0" eaLnBrk="0" fontAlgn="base" latinLnBrk="0" hangingPunct="0">
+              <a:lnSpc>
+                <a:spcPct val="100000"/>
+              </a:lnSpc>
+              <a:spcBef>
+                <a:spcPct val="0"/>
+              </a:spcBef>
+              <a:spcAft>
+                <a:spcPct val="0"/>
+              </a:spcAft>
+              <a:buClrTx/>
+              <a:buSzTx/>
+              <a:buFontTx/>
+              <a:buNone/>
+              <a:tabLst/>
+            </a:pPr>
+            <a:r>
+              <a:rPr lang="pt-BR" altLang="pt-BR" dirty="0">
+                <a:solidFill>
+                  <a:srgbClr val="222222"/>
+                </a:solidFill>
+                <a:latin typeface="inherit"/>
+              </a:rPr>
+              <a:t>TRAIN: [0 1] TEST: [2] </a:t>
+            </a:r>
+          </a:p>
+          <a:p>
+            <a:pPr marL="0" marR="0" lvl="0" indent="0" algn="l" defTabSz="914400" rtl="0" eaLnBrk="0" fontAlgn="base" latinLnBrk="0" hangingPunct="0">
+              <a:lnSpc>
+                <a:spcPct val="100000"/>
+              </a:lnSpc>
+              <a:spcBef>
+                <a:spcPct val="0"/>
+              </a:spcBef>
+              <a:spcAft>
+                <a:spcPct val="0"/>
+              </a:spcAft>
+              <a:buClrTx/>
+              <a:buSzTx/>
+              <a:buFontTx/>
+              <a:buNone/>
+              <a:tabLst/>
+            </a:pPr>
+            <a:endParaRPr lang="pt-BR" altLang="pt-BR" dirty="0">
+              <a:solidFill>
+                <a:srgbClr val="222222"/>
+              </a:solidFill>
+              <a:latin typeface="inherit"/>
+            </a:endParaRPr>
+          </a:p>
+          <a:p>
+            <a:pPr marL="0" marR="0" lvl="0" indent="0" algn="l" defTabSz="914400" rtl="0" eaLnBrk="0" fontAlgn="base" latinLnBrk="0" hangingPunct="0">
+              <a:lnSpc>
+                <a:spcPct val="100000"/>
+              </a:lnSpc>
+              <a:spcBef>
+                <a:spcPct val="0"/>
+              </a:spcBef>
+              <a:spcAft>
+                <a:spcPct val="0"/>
+              </a:spcAft>
+              <a:buClrTx/>
+              <a:buSzTx/>
+              <a:buFontTx/>
+              <a:buNone/>
+              <a:tabLst/>
+            </a:pPr>
+            <a:r>
+              <a:rPr lang="pt-BR" altLang="pt-BR" dirty="0">
+                <a:solidFill>
+                  <a:srgbClr val="222222"/>
+                </a:solidFill>
+                <a:latin typeface="inherit"/>
+              </a:rPr>
+              <a:t>TRAIN: [0 1 2] TEST: [3] </a:t>
+            </a:r>
+          </a:p>
+          <a:p>
+            <a:pPr marL="0" marR="0" lvl="0" indent="0" algn="l" defTabSz="914400" rtl="0" eaLnBrk="0" fontAlgn="base" latinLnBrk="0" hangingPunct="0">
+              <a:lnSpc>
+                <a:spcPct val="100000"/>
+              </a:lnSpc>
+              <a:spcBef>
+                <a:spcPct val="0"/>
+              </a:spcBef>
+              <a:spcAft>
+                <a:spcPct val="0"/>
+              </a:spcAft>
+              <a:buClrTx/>
+              <a:buSzTx/>
+              <a:buFontTx/>
+              <a:buNone/>
+              <a:tabLst/>
+            </a:pPr>
+            <a:endParaRPr lang="pt-BR" altLang="pt-BR" dirty="0">
+              <a:solidFill>
+                <a:srgbClr val="222222"/>
+              </a:solidFill>
+              <a:latin typeface="inherit"/>
+            </a:endParaRPr>
+          </a:p>
+          <a:p>
+            <a:pPr marL="0" marR="0" lvl="0" indent="0" algn="l" defTabSz="914400" rtl="0" eaLnBrk="0" fontAlgn="base" latinLnBrk="0" hangingPunct="0">
+              <a:lnSpc>
+                <a:spcPct val="100000"/>
+              </a:lnSpc>
+              <a:spcBef>
+                <a:spcPct val="0"/>
+              </a:spcBef>
+              <a:spcAft>
+                <a:spcPct val="0"/>
+              </a:spcAft>
+              <a:buClrTx/>
+              <a:buSzTx/>
+              <a:buFontTx/>
+              <a:buNone/>
+              <a:tabLst/>
+            </a:pPr>
+            <a:r>
+              <a:rPr lang="pt-BR" altLang="pt-BR" dirty="0">
+                <a:solidFill>
+                  <a:srgbClr val="222222"/>
+                </a:solidFill>
+                <a:latin typeface="inherit"/>
+              </a:rPr>
+              <a:t>TRAIN: [0 1 2 3] TEST: [4]</a:t>
+            </a:r>
+          </a:p>
+          <a:p>
+            <a:pPr marL="0" marR="0" lvl="0" indent="0" algn="l" defTabSz="914400" rtl="0" eaLnBrk="0" fontAlgn="base" latinLnBrk="0" hangingPunct="0">
+              <a:lnSpc>
+                <a:spcPct val="100000"/>
+              </a:lnSpc>
+              <a:spcBef>
+                <a:spcPct val="0"/>
+              </a:spcBef>
+              <a:spcAft>
+                <a:spcPct val="0"/>
+              </a:spcAft>
+              <a:buClrTx/>
+              <a:buSzTx/>
+              <a:buFontTx/>
+              <a:buNone/>
+              <a:tabLst/>
+            </a:pPr>
+            <a:endParaRPr lang="pt-BR" altLang="pt-BR" dirty="0">
+              <a:solidFill>
+                <a:srgbClr val="222222"/>
+              </a:solidFill>
+              <a:latin typeface="inherit"/>
+            </a:endParaRPr>
+          </a:p>
+          <a:p>
+            <a:pPr marL="0" marR="0" lvl="0" indent="0" algn="l" defTabSz="914400" rtl="0" eaLnBrk="0" fontAlgn="base" latinLnBrk="0" hangingPunct="0">
+              <a:lnSpc>
+                <a:spcPct val="100000"/>
+              </a:lnSpc>
+              <a:spcBef>
+                <a:spcPct val="0"/>
+              </a:spcBef>
+              <a:spcAft>
+                <a:spcPct val="0"/>
+              </a:spcAft>
+              <a:buClrTx/>
+              <a:buSzTx/>
+              <a:buFontTx/>
+              <a:buNone/>
+              <a:tabLst/>
+            </a:pPr>
+            <a:endParaRPr lang="pt-BR" altLang="pt-BR" dirty="0">
+              <a:solidFill>
+                <a:srgbClr val="222222"/>
+              </a:solidFill>
+              <a:latin typeface="inherit"/>
+            </a:endParaRPr>
+          </a:p>
+        </p:txBody>
+      </p:sp>
+    </p:spTree>
+    <p:extLst>
+      <p:ext uri="{BB962C8B-B14F-4D97-AF65-F5344CB8AC3E}">
+        <p14:creationId xmlns:p14="http://schemas.microsoft.com/office/powerpoint/2010/main" val="2518718746"/>
+      </p:ext>
+    </p:extLst>
+  </p:cSld>
+  <p:clrMapOvr>
+    <a:masterClrMapping/>
+  </p:clrMapOvr>
+</p:sld>
+</file>
+
+<file path=ppt/slides/slide12.xml><?xml version="1.0" encoding="utf-8"?>
+<p:sld xmlns:a="http://schemas.openxmlformats.org/drawingml/2006/main" xmlns:r="http://schemas.openxmlformats.org/officeDocument/2006/relationships" xmlns:p="http://schemas.openxmlformats.org/presentationml/2006/main">
+  <p:cSld>
+    <p:spTree>
+      <p:nvGrpSpPr>
+        <p:cNvPr id="1" name=""/>
+        <p:cNvGrpSpPr/>
+        <p:nvPr/>
+      </p:nvGrpSpPr>
+      <p:grpSpPr>
+        <a:xfrm>
+          <a:off x="0" y="0"/>
+          <a:ext cx="0" cy="0"/>
+          <a:chOff x="0" y="0"/>
+          <a:chExt cx="0" cy="0"/>
+        </a:xfrm>
+      </p:grpSpPr>
+      <p:sp>
+        <p:nvSpPr>
+          <p:cNvPr id="2" name="Título 1">
+            <a:extLst>
+              <a:ext uri="{FF2B5EF4-FFF2-40B4-BE49-F238E27FC236}">
+                <a16:creationId xmlns:a16="http://schemas.microsoft.com/office/drawing/2014/main" id="{2FB301B2-96BC-4985-A70F-6F0C9BA4245E}"/>
+              </a:ext>
+            </a:extLst>
+          </p:cNvPr>
+          <p:cNvSpPr>
+            <a:spLocks noGrp="1"/>
+          </p:cNvSpPr>
+          <p:nvPr>
+            <p:ph type="title"/>
+          </p:nvPr>
+        </p:nvSpPr>
+        <p:spPr/>
+        <p:txBody>
+          <a:bodyPr/>
+          <a:lstStyle/>
+          <a:p>
+            <a:r>
+              <a:rPr lang="pt-BR" dirty="0"/>
+              <a:t>MODELAGEM DOS DADOS</a:t>
+            </a:r>
+          </a:p>
+        </p:txBody>
+      </p:sp>
+      <p:sp>
+        <p:nvSpPr>
+          <p:cNvPr id="4" name="Espaço Reservado para Conteúdo 3">
+            <a:extLst>
+              <a:ext uri="{FF2B5EF4-FFF2-40B4-BE49-F238E27FC236}">
+                <a16:creationId xmlns:a16="http://schemas.microsoft.com/office/drawing/2014/main" id="{1997BD2F-4C4B-4798-B32D-58920B5EE37B}"/>
+              </a:ext>
+            </a:extLst>
+          </p:cNvPr>
+          <p:cNvSpPr>
+            <a:spLocks noGrp="1"/>
+          </p:cNvSpPr>
+          <p:nvPr>
+            <p:ph sz="half" idx="2"/>
+          </p:nvPr>
+        </p:nvSpPr>
+        <p:spPr>
+          <a:xfrm>
+            <a:off x="6940771" y="2228003"/>
+            <a:ext cx="5422392" cy="3633047"/>
+          </a:xfrm>
+        </p:spPr>
+        <p:txBody>
+          <a:bodyPr/>
+          <a:lstStyle/>
+          <a:p>
+            <a:r>
+              <a:rPr lang="pt-BR" dirty="0"/>
+              <a:t>Escolha dos parâmetros</a:t>
+            </a:r>
+          </a:p>
+          <a:p>
+            <a:r>
+              <a:rPr lang="en-US" dirty="0" err="1"/>
+              <a:t>dropout_rate</a:t>
+            </a:r>
+            <a:r>
+              <a:rPr lang="en-US" dirty="0"/>
+              <a:t> = [0.0, 0.2, 0.4]</a:t>
+            </a:r>
+            <a:endParaRPr lang="pt-BR" dirty="0"/>
+          </a:p>
+          <a:p>
+            <a:r>
+              <a:rPr lang="pt-BR" dirty="0" err="1"/>
+              <a:t>optimizer</a:t>
+            </a:r>
+            <a:r>
+              <a:rPr lang="pt-BR" dirty="0"/>
+              <a:t> = [ Adam’, SGD’]</a:t>
+            </a:r>
+          </a:p>
+          <a:p>
+            <a:r>
+              <a:rPr lang="pt-BR" dirty="0" err="1"/>
+              <a:t>activation</a:t>
+            </a:r>
+            <a:r>
+              <a:rPr lang="pt-BR" dirty="0"/>
+              <a:t> =  [‘linear', '</a:t>
+            </a:r>
+            <a:r>
+              <a:rPr lang="pt-BR" dirty="0" err="1"/>
+              <a:t>tanh</a:t>
+            </a:r>
+            <a:r>
+              <a:rPr lang="pt-BR" dirty="0"/>
+              <a:t>', ‘</a:t>
+            </a:r>
+            <a:r>
+              <a:rPr lang="pt-BR" dirty="0" err="1"/>
+              <a:t>relu</a:t>
+            </a:r>
+            <a:r>
+              <a:rPr lang="pt-BR" dirty="0"/>
+              <a:t>’]</a:t>
+            </a:r>
+          </a:p>
+          <a:p>
+            <a:r>
+              <a:rPr lang="en-US" dirty="0"/>
+              <a:t>epochs = [10, 20, 30]</a:t>
+            </a:r>
+          </a:p>
+          <a:p>
+            <a:r>
+              <a:rPr lang="en-US" dirty="0" err="1"/>
+              <a:t>batch_size</a:t>
+            </a:r>
+            <a:r>
+              <a:rPr lang="en-US" dirty="0"/>
+              <a:t> = [5, 20]</a:t>
+            </a:r>
+            <a:endParaRPr lang="pt-BR" dirty="0"/>
+          </a:p>
+          <a:p>
+            <a:endParaRPr lang="pt-BR" dirty="0"/>
+          </a:p>
+          <a:p>
+            <a:endParaRPr lang="pt-BR" dirty="0"/>
+          </a:p>
+          <a:p>
+            <a:endParaRPr lang="pt-BR" dirty="0"/>
+          </a:p>
+        </p:txBody>
+      </p:sp>
+      <p:pic>
+        <p:nvPicPr>
+          <p:cNvPr id="5" name="Imagem 4">
+            <a:extLst>
+              <a:ext uri="{FF2B5EF4-FFF2-40B4-BE49-F238E27FC236}">
+                <a16:creationId xmlns:a16="http://schemas.microsoft.com/office/drawing/2014/main" id="{6F49947A-8CC1-4127-A9AA-C8CCA00DEC4E}"/>
+              </a:ext>
+            </a:extLst>
+          </p:cNvPr>
+          <p:cNvPicPr>
+            <a:picLocks noChangeAspect="1"/>
+          </p:cNvPicPr>
+          <p:nvPr/>
+        </p:nvPicPr>
+        <p:blipFill>
+          <a:blip r:embed="rId2"/>
+          <a:stretch>
+            <a:fillRect/>
+          </a:stretch>
+        </p:blipFill>
+        <p:spPr>
+          <a:xfrm>
+            <a:off x="1050051" y="2228003"/>
+            <a:ext cx="5045949" cy="3700363"/>
+          </a:xfrm>
+          <a:prstGeom prst="rect">
+            <a:avLst/>
+          </a:prstGeom>
+        </p:spPr>
+      </p:pic>
+    </p:spTree>
+    <p:extLst>
+      <p:ext uri="{BB962C8B-B14F-4D97-AF65-F5344CB8AC3E}">
+        <p14:creationId xmlns:p14="http://schemas.microsoft.com/office/powerpoint/2010/main" val="3575735919"/>
+      </p:ext>
+    </p:extLst>
+  </p:cSld>
+  <p:clrMapOvr>
+    <a:masterClrMapping/>
+  </p:clrMapOvr>
+</p:sld>
+</file>
+
+<file path=ppt/slides/slide13.xml><?xml version="1.0" encoding="utf-8"?>
+<p:sld xmlns:a="http://schemas.openxmlformats.org/drawingml/2006/main" xmlns:r="http://schemas.openxmlformats.org/officeDocument/2006/relationships" xmlns:p="http://schemas.openxmlformats.org/presentationml/2006/main">
+  <p:cSld>
+    <p:spTree>
+      <p:nvGrpSpPr>
+        <p:cNvPr id="1" name=""/>
+        <p:cNvGrpSpPr/>
+        <p:nvPr/>
+      </p:nvGrpSpPr>
+      <p:grpSpPr>
+        <a:xfrm>
+          <a:off x="0" y="0"/>
+          <a:ext cx="0" cy="0"/>
+          <a:chOff x="0" y="0"/>
+          <a:chExt cx="0" cy="0"/>
+        </a:xfrm>
+      </p:grpSpPr>
+      <p:sp>
+        <p:nvSpPr>
+          <p:cNvPr id="2" name="Título 1">
+            <a:extLst>
+              <a:ext uri="{FF2B5EF4-FFF2-40B4-BE49-F238E27FC236}">
+                <a16:creationId xmlns:a16="http://schemas.microsoft.com/office/drawing/2014/main" id="{393F912F-D1F0-492B-9CEC-155F7E310980}"/>
+              </a:ext>
+            </a:extLst>
+          </p:cNvPr>
+          <p:cNvSpPr>
+            <a:spLocks noGrp="1"/>
+          </p:cNvSpPr>
+          <p:nvPr>
+            <p:ph type="title"/>
+          </p:nvPr>
+        </p:nvSpPr>
+        <p:spPr/>
+        <p:txBody>
+          <a:bodyPr/>
+          <a:lstStyle/>
+          <a:p>
+            <a:r>
+              <a:rPr lang="pt-BR" dirty="0"/>
+              <a:t>Modelagem dos dados</a:t>
+            </a:r>
+          </a:p>
+        </p:txBody>
+      </p:sp>
+      <p:graphicFrame>
+        <p:nvGraphicFramePr>
+          <p:cNvPr id="7" name="Tabela 6">
+            <a:extLst>
+              <a:ext uri="{FF2B5EF4-FFF2-40B4-BE49-F238E27FC236}">
+                <a16:creationId xmlns:a16="http://schemas.microsoft.com/office/drawing/2014/main" id="{121A3AA0-063F-4AFB-BA3A-96AC49C9DA17}"/>
+              </a:ext>
+            </a:extLst>
+          </p:cNvPr>
+          <p:cNvGraphicFramePr>
+            <a:graphicFrameLocks noGrp="1"/>
+          </p:cNvGraphicFramePr>
+          <p:nvPr>
+            <p:extLst>
+              <p:ext uri="{D42A27DB-BD31-4B8C-83A1-F6EECF244321}">
+                <p14:modId xmlns:p14="http://schemas.microsoft.com/office/powerpoint/2010/main" val="2059528071"/>
+              </p:ext>
+            </p:extLst>
+          </p:nvPr>
+        </p:nvGraphicFramePr>
+        <p:xfrm>
+          <a:off x="601886" y="3049805"/>
+          <a:ext cx="5092859" cy="746760"/>
+        </p:xfrm>
+        <a:graphic>
+          <a:graphicData uri="http://schemas.openxmlformats.org/drawingml/2006/table">
+            <a:tbl>
+              <a:tblPr>
+                <a:tableStyleId>{5C22544A-7EE6-4342-B048-85BDC9FD1C3A}</a:tableStyleId>
+              </a:tblPr>
+              <a:tblGrid>
+                <a:gridCol w="2056123">
+                  <a:extLst>
+                    <a:ext uri="{9D8B030D-6E8A-4147-A177-3AD203B41FA5}">
+                      <a16:colId xmlns:a16="http://schemas.microsoft.com/office/drawing/2014/main" val="378260509"/>
+                    </a:ext>
+                  </a:extLst>
+                </a:gridCol>
+                <a:gridCol w="1518368">
+                  <a:extLst>
+                    <a:ext uri="{9D8B030D-6E8A-4147-A177-3AD203B41FA5}">
+                      <a16:colId xmlns:a16="http://schemas.microsoft.com/office/drawing/2014/main" val="2475124851"/>
+                    </a:ext>
+                  </a:extLst>
+                </a:gridCol>
+                <a:gridCol w="1518368">
+                  <a:extLst>
+                    <a:ext uri="{9D8B030D-6E8A-4147-A177-3AD203B41FA5}">
+                      <a16:colId xmlns:a16="http://schemas.microsoft.com/office/drawing/2014/main" val="311985919"/>
+                    </a:ext>
+                  </a:extLst>
+                </a:gridCol>
+              </a:tblGrid>
+              <a:tr h="182880">
+                <a:tc rowSpan="2">
+                  <a:txBody>
+                    <a:bodyPr/>
+                    <a:lstStyle/>
+                    <a:p>
+                      <a:pPr algn="ctr" fontAlgn="ctr"/>
+                      <a:r>
+                        <a:rPr lang="pt-BR" sz="2400" u="none" strike="noStrike" dirty="0">
+                          <a:effectLst/>
+                        </a:rPr>
+                        <a:t>dense1_Input</a:t>
+                      </a:r>
+                      <a:endParaRPr lang="pt-BR" sz="2400" b="0" i="0" u="none" strike="noStrike" dirty="0">
+                        <a:solidFill>
+                          <a:srgbClr val="000000"/>
+                        </a:solidFill>
+                        <a:effectLst/>
+                        <a:latin typeface="Calibri" panose="020F0502020204030204" pitchFamily="34" charset="0"/>
+                      </a:endParaRPr>
+                    </a:p>
+                  </a:txBody>
+                  <a:tcPr marL="7620" marR="7620" marT="7620" marB="0" anchor="ctr">
+                    <a:lnL w="12700" cap="flat" cmpd="sng" algn="ctr">
+                      <a:solidFill>
+                        <a:schemeClr val="tx1"/>
+                      </a:solidFill>
+                      <a:prstDash val="solid"/>
+                      <a:round/>
+                      <a:headEnd type="none" w="med" len="med"/>
+                      <a:tailEnd type="none" w="med" len="med"/>
+                    </a:lnL>
+                    <a:lnR w="12700" cap="flat" cmpd="sng" algn="ctr">
+                      <a:solidFill>
+                        <a:schemeClr val="tx1"/>
+                      </a:solidFill>
+                      <a:prstDash val="solid"/>
+                      <a:round/>
+                      <a:headEnd type="none" w="med" len="med"/>
+                      <a:tailEnd type="none" w="med" len="med"/>
+                    </a:lnR>
+                    <a:lnT w="12700" cap="flat" cmpd="sng" algn="ctr">
+                      <a:solidFill>
+                        <a:schemeClr val="tx1"/>
+                      </a:solidFill>
+                      <a:prstDash val="solid"/>
+                      <a:round/>
+                      <a:headEnd type="none" w="med" len="med"/>
+                      <a:tailEnd type="none" w="med" len="med"/>
+                    </a:lnT>
+                    <a:lnB w="12700" cap="flat" cmpd="sng" algn="ctr">
+                      <a:solidFill>
+                        <a:schemeClr val="tx1"/>
+                      </a:solidFill>
+                      <a:prstDash val="solid"/>
+                      <a:round/>
+                      <a:headEnd type="none" w="med" len="med"/>
+                      <a:tailEnd type="none" w="med" len="med"/>
+                    </a:lnB>
+                    <a:lnTlToBr w="12700" cmpd="sng">
+                      <a:noFill/>
+                      <a:prstDash val="solid"/>
+                    </a:lnTlToBr>
+                    <a:lnBlToTr w="12700" cmpd="sng">
+                      <a:noFill/>
+                      <a:prstDash val="solid"/>
+                    </a:lnBlToTr>
+                    <a:solidFill>
+                      <a:schemeClr val="bg1"/>
+                    </a:solidFill>
+                  </a:tcPr>
+                </a:tc>
+                <a:tc>
+                  <a:txBody>
+                    <a:bodyPr/>
+                    <a:lstStyle/>
+                    <a:p>
+                      <a:pPr algn="l" fontAlgn="ctr"/>
+                      <a:r>
+                        <a:rPr lang="pt-BR" sz="2400" u="none" strike="noStrike" dirty="0">
+                          <a:effectLst/>
+                        </a:rPr>
+                        <a:t>input</a:t>
+                      </a:r>
+                      <a:endParaRPr lang="pt-BR" sz="2400" b="0" i="0" u="none" strike="noStrike" dirty="0">
+                        <a:solidFill>
+                          <a:srgbClr val="000000"/>
+                        </a:solidFill>
+                        <a:effectLst/>
+                        <a:latin typeface="Calibri" panose="020F0502020204030204" pitchFamily="34" charset="0"/>
+                      </a:endParaRPr>
+                    </a:p>
+                  </a:txBody>
+                  <a:tcPr marL="7620" marR="7620" marT="7620" marB="0" anchor="ctr">
+                    <a:lnL w="12700" cap="flat" cmpd="sng" algn="ctr">
+                      <a:solidFill>
+                        <a:schemeClr val="tx1"/>
+                      </a:solidFill>
+                      <a:prstDash val="solid"/>
+                      <a:round/>
+                      <a:headEnd type="none" w="med" len="med"/>
+                      <a:tailEnd type="none" w="med" len="med"/>
+                    </a:lnL>
+                    <a:lnR w="12700" cap="flat" cmpd="sng" algn="ctr">
+                      <a:solidFill>
+                        <a:schemeClr val="tx1"/>
+                      </a:solidFill>
+                      <a:prstDash val="solid"/>
+                      <a:round/>
+                      <a:headEnd type="none" w="med" len="med"/>
+                      <a:tailEnd type="none" w="med" len="med"/>
+                    </a:lnR>
+                    <a:lnT w="12700" cap="flat" cmpd="sng" algn="ctr">
+                      <a:solidFill>
+                        <a:schemeClr val="tx1"/>
+                      </a:solidFill>
+                      <a:prstDash val="solid"/>
+                      <a:round/>
+                      <a:headEnd type="none" w="med" len="med"/>
+                      <a:tailEnd type="none" w="med" len="med"/>
+                    </a:lnT>
+                    <a:lnB w="12700" cap="flat" cmpd="sng" algn="ctr">
+                      <a:solidFill>
+                        <a:schemeClr val="tx1"/>
+                      </a:solidFill>
+                      <a:prstDash val="solid"/>
+                      <a:round/>
+                      <a:headEnd type="none" w="med" len="med"/>
+                      <a:tailEnd type="none" w="med" len="med"/>
+                    </a:lnB>
+                    <a:lnTlToBr w="12700" cmpd="sng">
+                      <a:noFill/>
+                      <a:prstDash val="solid"/>
+                    </a:lnTlToBr>
+                    <a:lnBlToTr w="12700" cmpd="sng">
+                      <a:noFill/>
+                      <a:prstDash val="solid"/>
+                    </a:lnBlToTr>
+                    <a:solidFill>
+                      <a:schemeClr val="bg1"/>
+                    </a:solidFill>
+                  </a:tcPr>
+                </a:tc>
+                <a:tc>
+                  <a:txBody>
+                    <a:bodyPr/>
+                    <a:lstStyle/>
+                    <a:p>
+                      <a:pPr algn="r" fontAlgn="ctr"/>
+                      <a:r>
+                        <a:rPr lang="pt-BR" sz="2400" u="none" strike="noStrike" dirty="0">
+                          <a:effectLst/>
+                        </a:rPr>
+                        <a:t>36</a:t>
+                      </a:r>
+                      <a:endParaRPr lang="pt-BR" sz="2400" b="0" i="0" u="none" strike="noStrike" dirty="0">
+                        <a:solidFill>
+                          <a:srgbClr val="000000"/>
+                        </a:solidFill>
+                        <a:effectLst/>
+                        <a:latin typeface="Calibri" panose="020F0502020204030204" pitchFamily="34" charset="0"/>
+                      </a:endParaRPr>
+                    </a:p>
+                  </a:txBody>
+                  <a:tcPr marL="7620" marR="7620" marT="7620" marB="0" anchor="ctr">
+                    <a:lnL w="12700" cap="flat" cmpd="sng" algn="ctr">
+                      <a:solidFill>
+                        <a:schemeClr val="tx1"/>
+                      </a:solidFill>
+                      <a:prstDash val="solid"/>
+                      <a:round/>
+                      <a:headEnd type="none" w="med" len="med"/>
+                      <a:tailEnd type="none" w="med" len="med"/>
+                    </a:lnL>
+                    <a:lnR w="12700" cap="flat" cmpd="sng" algn="ctr">
+                      <a:solidFill>
+                        <a:schemeClr val="tx1"/>
+                      </a:solidFill>
+                      <a:prstDash val="solid"/>
+                      <a:round/>
+                      <a:headEnd type="none" w="med" len="med"/>
+                      <a:tailEnd type="none" w="med" len="med"/>
+                    </a:lnR>
+                    <a:lnT w="12700" cap="flat" cmpd="sng" algn="ctr">
+                      <a:solidFill>
+                        <a:schemeClr val="tx1"/>
+                      </a:solidFill>
+                      <a:prstDash val="solid"/>
+                      <a:round/>
+                      <a:headEnd type="none" w="med" len="med"/>
+                      <a:tailEnd type="none" w="med" len="med"/>
+                    </a:lnT>
+                    <a:lnB w="12700" cap="flat" cmpd="sng" algn="ctr">
+                      <a:solidFill>
+                        <a:schemeClr val="tx1"/>
+                      </a:solidFill>
+                      <a:prstDash val="solid"/>
+                      <a:round/>
+                      <a:headEnd type="none" w="med" len="med"/>
+                      <a:tailEnd type="none" w="med" len="med"/>
+                    </a:lnB>
+                    <a:lnTlToBr w="12700" cmpd="sng">
+                      <a:noFill/>
+                      <a:prstDash val="solid"/>
+                    </a:lnTlToBr>
+                    <a:lnBlToTr w="12700" cmpd="sng">
+                      <a:noFill/>
+                      <a:prstDash val="solid"/>
+                    </a:lnBlToTr>
+                    <a:solidFill>
+                      <a:schemeClr val="bg1"/>
+                    </a:solidFill>
+                  </a:tcPr>
+                </a:tc>
+                <a:extLst>
+                  <a:ext uri="{0D108BD9-81ED-4DB2-BD59-A6C34878D82A}">
+                    <a16:rowId xmlns:a16="http://schemas.microsoft.com/office/drawing/2014/main" val="1251263919"/>
+                  </a:ext>
+                </a:extLst>
+              </a:tr>
+              <a:tr h="182880">
+                <a:tc vMerge="1">
+                  <a:txBody>
+                    <a:bodyPr/>
+                    <a:lstStyle/>
+                    <a:p>
+                      <a:endParaRPr lang="pt-BR"/>
+                    </a:p>
+                  </a:txBody>
+                  <a:tcPr/>
+                </a:tc>
+                <a:tc>
+                  <a:txBody>
+                    <a:bodyPr/>
+                    <a:lstStyle/>
+                    <a:p>
+                      <a:pPr algn="l" fontAlgn="ctr"/>
+                      <a:r>
+                        <a:rPr lang="pt-BR" sz="2400" u="none" strike="noStrike">
+                          <a:effectLst/>
+                        </a:rPr>
+                        <a:t>output</a:t>
+                      </a:r>
+                      <a:endParaRPr lang="pt-BR" sz="2400" b="0" i="0" u="none" strike="noStrike">
+                        <a:solidFill>
+                          <a:srgbClr val="000000"/>
+                        </a:solidFill>
+                        <a:effectLst/>
+                        <a:latin typeface="Calibri" panose="020F0502020204030204" pitchFamily="34" charset="0"/>
+                      </a:endParaRPr>
+                    </a:p>
+                  </a:txBody>
+                  <a:tcPr marL="7620" marR="7620" marT="7620" marB="0" anchor="ctr">
+                    <a:lnL w="12700" cap="flat" cmpd="sng" algn="ctr">
+                      <a:solidFill>
+                        <a:schemeClr val="tx1"/>
+                      </a:solidFill>
+                      <a:prstDash val="solid"/>
+                      <a:round/>
+                      <a:headEnd type="none" w="med" len="med"/>
+                      <a:tailEnd type="none" w="med" len="med"/>
+                    </a:lnL>
+                    <a:lnR w="12700" cap="flat" cmpd="sng" algn="ctr">
+                      <a:solidFill>
+                        <a:schemeClr val="tx1"/>
+                      </a:solidFill>
+                      <a:prstDash val="solid"/>
+                      <a:round/>
+                      <a:headEnd type="none" w="med" len="med"/>
+                      <a:tailEnd type="none" w="med" len="med"/>
+                    </a:lnR>
+                    <a:lnT w="12700" cap="flat" cmpd="sng" algn="ctr">
+                      <a:solidFill>
+                        <a:schemeClr val="tx1"/>
+                      </a:solidFill>
+                      <a:prstDash val="solid"/>
+                      <a:round/>
+                      <a:headEnd type="none" w="med" len="med"/>
+                      <a:tailEnd type="none" w="med" len="med"/>
+                    </a:lnT>
+                    <a:lnB w="12700" cap="flat" cmpd="sng" algn="ctr">
+                      <a:solidFill>
+                        <a:schemeClr val="tx1"/>
+                      </a:solidFill>
+                      <a:prstDash val="solid"/>
+                      <a:round/>
+                      <a:headEnd type="none" w="med" len="med"/>
+                      <a:tailEnd type="none" w="med" len="med"/>
+                    </a:lnB>
+                    <a:lnTlToBr w="12700" cmpd="sng">
+                      <a:noFill/>
+                      <a:prstDash val="solid"/>
+                    </a:lnTlToBr>
+                    <a:lnBlToTr w="12700" cmpd="sng">
+                      <a:noFill/>
+                      <a:prstDash val="solid"/>
+                    </a:lnBlToTr>
+                    <a:solidFill>
+                      <a:schemeClr val="bg1"/>
+                    </a:solidFill>
+                  </a:tcPr>
+                </a:tc>
+                <a:tc>
+                  <a:txBody>
+                    <a:bodyPr/>
+                    <a:lstStyle/>
+                    <a:p>
+                      <a:pPr algn="r" fontAlgn="ctr"/>
+                      <a:r>
+                        <a:rPr lang="pt-BR" sz="2400" u="none" strike="noStrike" dirty="0">
+                          <a:effectLst/>
+                        </a:rPr>
+                        <a:t>36</a:t>
+                      </a:r>
+                      <a:endParaRPr lang="pt-BR" sz="2400" b="0" i="0" u="none" strike="noStrike" dirty="0">
+                        <a:solidFill>
+                          <a:srgbClr val="000000"/>
+                        </a:solidFill>
+                        <a:effectLst/>
+                        <a:latin typeface="Calibri" panose="020F0502020204030204" pitchFamily="34" charset="0"/>
+                      </a:endParaRPr>
+                    </a:p>
+                  </a:txBody>
+                  <a:tcPr marL="7620" marR="7620" marT="7620" marB="0" anchor="ctr">
+                    <a:lnL w="12700" cap="flat" cmpd="sng" algn="ctr">
+                      <a:solidFill>
+                        <a:schemeClr val="tx1"/>
+                      </a:solidFill>
+                      <a:prstDash val="solid"/>
+                      <a:round/>
+                      <a:headEnd type="none" w="med" len="med"/>
+                      <a:tailEnd type="none" w="med" len="med"/>
+                    </a:lnL>
+                    <a:lnR w="12700" cap="flat" cmpd="sng" algn="ctr">
+                      <a:solidFill>
+                        <a:schemeClr val="tx1"/>
+                      </a:solidFill>
+                      <a:prstDash val="solid"/>
+                      <a:round/>
+                      <a:headEnd type="none" w="med" len="med"/>
+                      <a:tailEnd type="none" w="med" len="med"/>
+                    </a:lnR>
+                    <a:lnT w="12700" cap="flat" cmpd="sng" algn="ctr">
+                      <a:solidFill>
+                        <a:schemeClr val="tx1"/>
+                      </a:solidFill>
+                      <a:prstDash val="solid"/>
+                      <a:round/>
+                      <a:headEnd type="none" w="med" len="med"/>
+                      <a:tailEnd type="none" w="med" len="med"/>
+                    </a:lnT>
+                    <a:lnB w="12700" cap="flat" cmpd="sng" algn="ctr">
+                      <a:solidFill>
+                        <a:schemeClr val="tx1"/>
+                      </a:solidFill>
+                      <a:prstDash val="solid"/>
+                      <a:round/>
+                      <a:headEnd type="none" w="med" len="med"/>
+                      <a:tailEnd type="none" w="med" len="med"/>
+                    </a:lnB>
+                    <a:lnTlToBr w="12700" cmpd="sng">
+                      <a:noFill/>
+                      <a:prstDash val="solid"/>
+                    </a:lnTlToBr>
+                    <a:lnBlToTr w="12700" cmpd="sng">
+                      <a:noFill/>
+                      <a:prstDash val="solid"/>
+                    </a:lnBlToTr>
+                    <a:solidFill>
+                      <a:schemeClr val="bg1"/>
+                    </a:solidFill>
+                  </a:tcPr>
+                </a:tc>
+                <a:extLst>
+                  <a:ext uri="{0D108BD9-81ED-4DB2-BD59-A6C34878D82A}">
+                    <a16:rowId xmlns:a16="http://schemas.microsoft.com/office/drawing/2014/main" val="494127702"/>
+                  </a:ext>
+                </a:extLst>
+              </a:tr>
+            </a:tbl>
+          </a:graphicData>
+        </a:graphic>
+      </p:graphicFrame>
+      <p:graphicFrame>
+        <p:nvGraphicFramePr>
+          <p:cNvPr id="8" name="Tabela 7">
+            <a:extLst>
+              <a:ext uri="{FF2B5EF4-FFF2-40B4-BE49-F238E27FC236}">
+                <a16:creationId xmlns:a16="http://schemas.microsoft.com/office/drawing/2014/main" id="{C1D8B014-EDC5-43D2-9586-1B6F7FEE7AE4}"/>
+              </a:ext>
+            </a:extLst>
+          </p:cNvPr>
+          <p:cNvGraphicFramePr>
+            <a:graphicFrameLocks noGrp="1"/>
+          </p:cNvGraphicFramePr>
+          <p:nvPr>
+            <p:extLst>
+              <p:ext uri="{D42A27DB-BD31-4B8C-83A1-F6EECF244321}">
+                <p14:modId xmlns:p14="http://schemas.microsoft.com/office/powerpoint/2010/main" val="1304541080"/>
+              </p:ext>
+            </p:extLst>
+          </p:nvPr>
+        </p:nvGraphicFramePr>
+        <p:xfrm>
+          <a:off x="601885" y="4306578"/>
+          <a:ext cx="5092859" cy="746760"/>
+        </p:xfrm>
+        <a:graphic>
+          <a:graphicData uri="http://schemas.openxmlformats.org/drawingml/2006/table">
+            <a:tbl>
+              <a:tblPr>
+                <a:tableStyleId>{5C22544A-7EE6-4342-B048-85BDC9FD1C3A}</a:tableStyleId>
+              </a:tblPr>
+              <a:tblGrid>
+                <a:gridCol w="2056123">
+                  <a:extLst>
+                    <a:ext uri="{9D8B030D-6E8A-4147-A177-3AD203B41FA5}">
+                      <a16:colId xmlns:a16="http://schemas.microsoft.com/office/drawing/2014/main" val="2802041606"/>
+                    </a:ext>
+                  </a:extLst>
+                </a:gridCol>
+                <a:gridCol w="1518368">
+                  <a:extLst>
+                    <a:ext uri="{9D8B030D-6E8A-4147-A177-3AD203B41FA5}">
+                      <a16:colId xmlns:a16="http://schemas.microsoft.com/office/drawing/2014/main" val="4064233686"/>
+                    </a:ext>
+                  </a:extLst>
+                </a:gridCol>
+                <a:gridCol w="1518368">
+                  <a:extLst>
+                    <a:ext uri="{9D8B030D-6E8A-4147-A177-3AD203B41FA5}">
+                      <a16:colId xmlns:a16="http://schemas.microsoft.com/office/drawing/2014/main" val="3728321191"/>
+                    </a:ext>
+                  </a:extLst>
+                </a:gridCol>
+              </a:tblGrid>
+              <a:tr h="182880">
+                <a:tc rowSpan="2">
+                  <a:txBody>
+                    <a:bodyPr/>
+                    <a:lstStyle/>
+                    <a:p>
+                      <a:pPr algn="ctr" fontAlgn="ctr"/>
+                      <a:r>
+                        <a:rPr lang="pt-BR" sz="2400" u="none" strike="noStrike" dirty="0">
+                          <a:effectLst/>
+                        </a:rPr>
+                        <a:t>dense_1</a:t>
+                      </a:r>
+                      <a:endParaRPr lang="pt-BR" sz="2400" b="0" i="0" u="none" strike="noStrike" dirty="0">
+                        <a:solidFill>
+                          <a:srgbClr val="000000"/>
+                        </a:solidFill>
+                        <a:effectLst/>
+                        <a:latin typeface="Calibri" panose="020F0502020204030204" pitchFamily="34" charset="0"/>
+                      </a:endParaRPr>
+                    </a:p>
+                  </a:txBody>
+                  <a:tcPr marL="7620" marR="7620" marT="7620" marB="0" anchor="ctr">
+                    <a:lnL w="12700" cap="flat" cmpd="sng" algn="ctr">
+                      <a:solidFill>
+                        <a:schemeClr val="tx1"/>
+                      </a:solidFill>
+                      <a:prstDash val="solid"/>
+                      <a:round/>
+                      <a:headEnd type="none" w="med" len="med"/>
+                      <a:tailEnd type="none" w="med" len="med"/>
+                    </a:lnL>
+                    <a:lnR w="12700" cap="flat" cmpd="sng" algn="ctr">
+                      <a:solidFill>
+                        <a:schemeClr val="tx1"/>
+                      </a:solidFill>
+                      <a:prstDash val="solid"/>
+                      <a:round/>
+                      <a:headEnd type="none" w="med" len="med"/>
+                      <a:tailEnd type="none" w="med" len="med"/>
+                    </a:lnR>
+                    <a:lnT w="12700" cap="flat" cmpd="sng" algn="ctr">
+                      <a:solidFill>
+                        <a:schemeClr val="tx1"/>
+                      </a:solidFill>
+                      <a:prstDash val="solid"/>
+                      <a:round/>
+                      <a:headEnd type="none" w="med" len="med"/>
+                      <a:tailEnd type="none" w="med" len="med"/>
+                    </a:lnT>
+                    <a:lnB w="12700" cap="flat" cmpd="sng" algn="ctr">
+                      <a:solidFill>
+                        <a:schemeClr val="tx1"/>
+                      </a:solidFill>
+                      <a:prstDash val="solid"/>
+                      <a:round/>
+                      <a:headEnd type="none" w="med" len="med"/>
+                      <a:tailEnd type="none" w="med" len="med"/>
+                    </a:lnB>
+                    <a:solidFill>
+                      <a:schemeClr val="bg1"/>
+                    </a:solidFill>
+                  </a:tcPr>
+                </a:tc>
+                <a:tc>
+                  <a:txBody>
+                    <a:bodyPr/>
+                    <a:lstStyle/>
+                    <a:p>
+                      <a:pPr algn="l" fontAlgn="ctr"/>
+                      <a:r>
+                        <a:rPr lang="pt-BR" sz="2400" u="none" strike="noStrike" dirty="0">
+                          <a:effectLst/>
+                        </a:rPr>
+                        <a:t>input</a:t>
+                      </a:r>
+                      <a:endParaRPr lang="pt-BR" sz="2400" b="0" i="0" u="none" strike="noStrike" dirty="0">
+                        <a:solidFill>
+                          <a:srgbClr val="000000"/>
+                        </a:solidFill>
+                        <a:effectLst/>
+                        <a:latin typeface="Calibri" panose="020F0502020204030204" pitchFamily="34" charset="0"/>
+                      </a:endParaRPr>
+                    </a:p>
+                  </a:txBody>
+                  <a:tcPr marL="7620" marR="7620" marT="7620" marB="0" anchor="ctr">
+                    <a:lnL w="12700" cap="flat" cmpd="sng" algn="ctr">
+                      <a:solidFill>
+                        <a:schemeClr val="tx1"/>
+                      </a:solidFill>
+                      <a:prstDash val="solid"/>
+                      <a:round/>
+                      <a:headEnd type="none" w="med" len="med"/>
+                      <a:tailEnd type="none" w="med" len="med"/>
+                    </a:lnL>
+                    <a:lnR w="12700" cap="flat" cmpd="sng" algn="ctr">
+                      <a:solidFill>
+                        <a:schemeClr val="tx1"/>
+                      </a:solidFill>
+                      <a:prstDash val="solid"/>
+                      <a:round/>
+                      <a:headEnd type="none" w="med" len="med"/>
+                      <a:tailEnd type="none" w="med" len="med"/>
+                    </a:lnR>
+                    <a:lnT w="12700" cap="flat" cmpd="sng" algn="ctr">
+                      <a:solidFill>
+                        <a:schemeClr val="tx1"/>
+                      </a:solidFill>
+                      <a:prstDash val="solid"/>
+                      <a:round/>
+                      <a:headEnd type="none" w="med" len="med"/>
+                      <a:tailEnd type="none" w="med" len="med"/>
+                    </a:lnT>
+                    <a:lnB w="12700" cap="flat" cmpd="sng" algn="ctr">
+                      <a:solidFill>
+                        <a:schemeClr val="tx1"/>
+                      </a:solidFill>
+                      <a:prstDash val="solid"/>
+                      <a:round/>
+                      <a:headEnd type="none" w="med" len="med"/>
+                      <a:tailEnd type="none" w="med" len="med"/>
+                    </a:lnB>
+                    <a:solidFill>
+                      <a:schemeClr val="bg1"/>
+                    </a:solidFill>
+                  </a:tcPr>
+                </a:tc>
+                <a:tc>
+                  <a:txBody>
+                    <a:bodyPr/>
+                    <a:lstStyle/>
+                    <a:p>
+                      <a:pPr algn="r" fontAlgn="ctr"/>
+                      <a:r>
+                        <a:rPr lang="pt-BR" sz="2400" u="none" strike="noStrike" dirty="0">
+                          <a:effectLst/>
+                        </a:rPr>
+                        <a:t>36</a:t>
+                      </a:r>
+                      <a:endParaRPr lang="pt-BR" sz="2400" b="0" i="0" u="none" strike="noStrike" dirty="0">
+                        <a:solidFill>
+                          <a:srgbClr val="000000"/>
+                        </a:solidFill>
+                        <a:effectLst/>
+                        <a:latin typeface="Calibri" panose="020F0502020204030204" pitchFamily="34" charset="0"/>
+                      </a:endParaRPr>
+                    </a:p>
+                  </a:txBody>
+                  <a:tcPr marL="7620" marR="7620" marT="7620" marB="0" anchor="ctr">
+                    <a:lnL w="12700" cap="flat" cmpd="sng" algn="ctr">
+                      <a:solidFill>
+                        <a:schemeClr val="tx1"/>
+                      </a:solidFill>
+                      <a:prstDash val="solid"/>
+                      <a:round/>
+                      <a:headEnd type="none" w="med" len="med"/>
+                      <a:tailEnd type="none" w="med" len="med"/>
+                    </a:lnL>
+                    <a:lnR w="12700" cap="flat" cmpd="sng" algn="ctr">
+                      <a:solidFill>
+                        <a:schemeClr val="tx1"/>
+                      </a:solidFill>
+                      <a:prstDash val="solid"/>
+                      <a:round/>
+                      <a:headEnd type="none" w="med" len="med"/>
+                      <a:tailEnd type="none" w="med" len="med"/>
+                    </a:lnR>
+                    <a:lnT w="12700" cap="flat" cmpd="sng" algn="ctr">
+                      <a:solidFill>
+                        <a:schemeClr val="tx1"/>
+                      </a:solidFill>
+                      <a:prstDash val="solid"/>
+                      <a:round/>
+                      <a:headEnd type="none" w="med" len="med"/>
+                      <a:tailEnd type="none" w="med" len="med"/>
+                    </a:lnT>
+                    <a:lnB w="12700" cap="flat" cmpd="sng" algn="ctr">
+                      <a:solidFill>
+                        <a:schemeClr val="tx1"/>
+                      </a:solidFill>
+                      <a:prstDash val="solid"/>
+                      <a:round/>
+                      <a:headEnd type="none" w="med" len="med"/>
+                      <a:tailEnd type="none" w="med" len="med"/>
+                    </a:lnB>
+                    <a:solidFill>
+                      <a:schemeClr val="bg1"/>
+                    </a:solidFill>
+                  </a:tcPr>
+                </a:tc>
+                <a:extLst>
+                  <a:ext uri="{0D108BD9-81ED-4DB2-BD59-A6C34878D82A}">
+                    <a16:rowId xmlns:a16="http://schemas.microsoft.com/office/drawing/2014/main" val="2437973058"/>
+                  </a:ext>
+                </a:extLst>
+              </a:tr>
+              <a:tr h="182880">
+                <a:tc vMerge="1">
+                  <a:txBody>
+                    <a:bodyPr/>
+                    <a:lstStyle/>
+                    <a:p>
+                      <a:endParaRPr lang="pt-BR"/>
+                    </a:p>
+                  </a:txBody>
+                  <a:tcPr/>
+                </a:tc>
+                <a:tc>
+                  <a:txBody>
+                    <a:bodyPr/>
+                    <a:lstStyle/>
+                    <a:p>
+                      <a:pPr algn="l" fontAlgn="ctr"/>
+                      <a:r>
+                        <a:rPr lang="pt-BR" sz="2400" u="none" strike="noStrike">
+                          <a:effectLst/>
+                        </a:rPr>
+                        <a:t>output</a:t>
+                      </a:r>
+                      <a:endParaRPr lang="pt-BR" sz="2400" b="0" i="0" u="none" strike="noStrike">
+                        <a:solidFill>
+                          <a:srgbClr val="000000"/>
+                        </a:solidFill>
+                        <a:effectLst/>
+                        <a:latin typeface="Calibri" panose="020F0502020204030204" pitchFamily="34" charset="0"/>
+                      </a:endParaRPr>
+                    </a:p>
+                  </a:txBody>
+                  <a:tcPr marL="7620" marR="7620" marT="7620" marB="0" anchor="ctr">
+                    <a:lnL w="12700" cap="flat" cmpd="sng" algn="ctr">
+                      <a:solidFill>
+                        <a:schemeClr val="tx1"/>
+                      </a:solidFill>
+                      <a:prstDash val="solid"/>
+                      <a:round/>
+                      <a:headEnd type="none" w="med" len="med"/>
+                      <a:tailEnd type="none" w="med" len="med"/>
+                    </a:lnL>
+                    <a:lnR w="12700" cap="flat" cmpd="sng" algn="ctr">
+                      <a:solidFill>
+                        <a:schemeClr val="tx1"/>
+                      </a:solidFill>
+                      <a:prstDash val="solid"/>
+                      <a:round/>
+                      <a:headEnd type="none" w="med" len="med"/>
+                      <a:tailEnd type="none" w="med" len="med"/>
+                    </a:lnR>
+                    <a:lnT w="12700" cap="flat" cmpd="sng" algn="ctr">
+                      <a:solidFill>
+                        <a:schemeClr val="tx1"/>
+                      </a:solidFill>
+                      <a:prstDash val="solid"/>
+                      <a:round/>
+                      <a:headEnd type="none" w="med" len="med"/>
+                      <a:tailEnd type="none" w="med" len="med"/>
+                    </a:lnT>
+                    <a:lnB w="12700" cap="flat" cmpd="sng" algn="ctr">
+                      <a:solidFill>
+                        <a:schemeClr val="tx1"/>
+                      </a:solidFill>
+                      <a:prstDash val="solid"/>
+                      <a:round/>
+                      <a:headEnd type="none" w="med" len="med"/>
+                      <a:tailEnd type="none" w="med" len="med"/>
+                    </a:lnB>
+                    <a:solidFill>
+                      <a:schemeClr val="bg1"/>
+                    </a:solidFill>
+                  </a:tcPr>
+                </a:tc>
+                <a:tc>
+                  <a:txBody>
+                    <a:bodyPr/>
+                    <a:lstStyle/>
+                    <a:p>
+                      <a:pPr algn="r" fontAlgn="ctr"/>
+                      <a:r>
+                        <a:rPr lang="pt-BR" sz="2400" u="none" strike="noStrike" dirty="0">
+                          <a:effectLst/>
+                        </a:rPr>
+                        <a:t>10</a:t>
+                      </a:r>
+                      <a:endParaRPr lang="pt-BR" sz="2400" b="0" i="0" u="none" strike="noStrike" dirty="0">
+                        <a:solidFill>
+                          <a:srgbClr val="000000"/>
+                        </a:solidFill>
+                        <a:effectLst/>
+                        <a:latin typeface="Calibri" panose="020F0502020204030204" pitchFamily="34" charset="0"/>
+                      </a:endParaRPr>
+                    </a:p>
+                  </a:txBody>
+                  <a:tcPr marL="7620" marR="7620" marT="7620" marB="0" anchor="ctr">
+                    <a:lnL w="12700" cap="flat" cmpd="sng" algn="ctr">
+                      <a:solidFill>
+                        <a:schemeClr val="tx1"/>
+                      </a:solidFill>
+                      <a:prstDash val="solid"/>
+                      <a:round/>
+                      <a:headEnd type="none" w="med" len="med"/>
+                      <a:tailEnd type="none" w="med" len="med"/>
+                    </a:lnL>
+                    <a:lnR w="12700" cap="flat" cmpd="sng" algn="ctr">
+                      <a:solidFill>
+                        <a:schemeClr val="tx1"/>
+                      </a:solidFill>
+                      <a:prstDash val="solid"/>
+                      <a:round/>
+                      <a:headEnd type="none" w="med" len="med"/>
+                      <a:tailEnd type="none" w="med" len="med"/>
+                    </a:lnR>
+                    <a:lnT w="12700" cap="flat" cmpd="sng" algn="ctr">
+                      <a:solidFill>
+                        <a:schemeClr val="tx1"/>
+                      </a:solidFill>
+                      <a:prstDash val="solid"/>
+                      <a:round/>
+                      <a:headEnd type="none" w="med" len="med"/>
+                      <a:tailEnd type="none" w="med" len="med"/>
+                    </a:lnT>
+                    <a:lnB w="12700" cap="flat" cmpd="sng" algn="ctr">
+                      <a:solidFill>
+                        <a:schemeClr val="tx1"/>
+                      </a:solidFill>
+                      <a:prstDash val="solid"/>
+                      <a:round/>
+                      <a:headEnd type="none" w="med" len="med"/>
+                      <a:tailEnd type="none" w="med" len="med"/>
+                    </a:lnB>
+                    <a:solidFill>
+                      <a:schemeClr val="bg1"/>
+                    </a:solidFill>
+                  </a:tcPr>
+                </a:tc>
+                <a:extLst>
+                  <a:ext uri="{0D108BD9-81ED-4DB2-BD59-A6C34878D82A}">
+                    <a16:rowId xmlns:a16="http://schemas.microsoft.com/office/drawing/2014/main" val="2716052351"/>
+                  </a:ext>
+                </a:extLst>
+              </a:tr>
+            </a:tbl>
+          </a:graphicData>
+        </a:graphic>
+      </p:graphicFrame>
+      <p:graphicFrame>
+        <p:nvGraphicFramePr>
+          <p:cNvPr id="19" name="Tabela 18">
+            <a:extLst>
+              <a:ext uri="{FF2B5EF4-FFF2-40B4-BE49-F238E27FC236}">
+                <a16:creationId xmlns:a16="http://schemas.microsoft.com/office/drawing/2014/main" id="{717933F3-1790-4397-A08F-2ED38845598B}"/>
+              </a:ext>
+            </a:extLst>
+          </p:cNvPr>
+          <p:cNvGraphicFramePr>
+            <a:graphicFrameLocks noGrp="1"/>
+          </p:cNvGraphicFramePr>
+          <p:nvPr>
+            <p:extLst>
+              <p:ext uri="{D42A27DB-BD31-4B8C-83A1-F6EECF244321}">
+                <p14:modId xmlns:p14="http://schemas.microsoft.com/office/powerpoint/2010/main" val="216302784"/>
+              </p:ext>
+            </p:extLst>
+          </p:nvPr>
+        </p:nvGraphicFramePr>
+        <p:xfrm>
+          <a:off x="601885" y="5602146"/>
+          <a:ext cx="5092859" cy="746760"/>
+        </p:xfrm>
+        <a:graphic>
+          <a:graphicData uri="http://schemas.openxmlformats.org/drawingml/2006/table">
+            <a:tbl>
+              <a:tblPr>
+                <a:tableStyleId>{5C22544A-7EE6-4342-B048-85BDC9FD1C3A}</a:tableStyleId>
+              </a:tblPr>
+              <a:tblGrid>
+                <a:gridCol w="2056123">
+                  <a:extLst>
+                    <a:ext uri="{9D8B030D-6E8A-4147-A177-3AD203B41FA5}">
+                      <a16:colId xmlns:a16="http://schemas.microsoft.com/office/drawing/2014/main" val="601386639"/>
+                    </a:ext>
+                  </a:extLst>
+                </a:gridCol>
+                <a:gridCol w="1518368">
+                  <a:extLst>
+                    <a:ext uri="{9D8B030D-6E8A-4147-A177-3AD203B41FA5}">
+                      <a16:colId xmlns:a16="http://schemas.microsoft.com/office/drawing/2014/main" val="2528077451"/>
+                    </a:ext>
+                  </a:extLst>
+                </a:gridCol>
+                <a:gridCol w="1518368">
+                  <a:extLst>
+                    <a:ext uri="{9D8B030D-6E8A-4147-A177-3AD203B41FA5}">
+                      <a16:colId xmlns:a16="http://schemas.microsoft.com/office/drawing/2014/main" val="1606911441"/>
+                    </a:ext>
+                  </a:extLst>
+                </a:gridCol>
+              </a:tblGrid>
+              <a:tr h="182880">
+                <a:tc rowSpan="2">
+                  <a:txBody>
+                    <a:bodyPr/>
+                    <a:lstStyle/>
+                    <a:p>
+                      <a:pPr algn="ctr" fontAlgn="ctr"/>
+                      <a:r>
+                        <a:rPr lang="pt-BR" sz="2400" u="none" strike="noStrike">
+                          <a:effectLst/>
+                        </a:rPr>
+                        <a:t>dense_2</a:t>
+                      </a:r>
+                      <a:endParaRPr lang="pt-BR" sz="2400" b="0" i="0" u="none" strike="noStrike">
+                        <a:solidFill>
+                          <a:srgbClr val="000000"/>
+                        </a:solidFill>
+                        <a:effectLst/>
+                        <a:latin typeface="Calibri" panose="020F0502020204030204" pitchFamily="34" charset="0"/>
+                      </a:endParaRPr>
+                    </a:p>
+                  </a:txBody>
+                  <a:tcPr marL="7620" marR="7620" marT="7620" marB="0" anchor="ctr">
+                    <a:lnL w="12700" cap="flat" cmpd="sng" algn="ctr">
+                      <a:solidFill>
+                        <a:schemeClr val="tx1"/>
+                      </a:solidFill>
+                      <a:prstDash val="solid"/>
+                      <a:round/>
+                      <a:headEnd type="none" w="med" len="med"/>
+                      <a:tailEnd type="none" w="med" len="med"/>
+                    </a:lnL>
+                    <a:lnR w="12700" cap="flat" cmpd="sng" algn="ctr">
+                      <a:solidFill>
+                        <a:schemeClr val="tx1"/>
+                      </a:solidFill>
+                      <a:prstDash val="solid"/>
+                      <a:round/>
+                      <a:headEnd type="none" w="med" len="med"/>
+                      <a:tailEnd type="none" w="med" len="med"/>
+                    </a:lnR>
+                    <a:lnT w="12700" cap="flat" cmpd="sng" algn="ctr">
+                      <a:solidFill>
+                        <a:schemeClr val="tx1"/>
+                      </a:solidFill>
+                      <a:prstDash val="solid"/>
+                      <a:round/>
+                      <a:headEnd type="none" w="med" len="med"/>
+                      <a:tailEnd type="none" w="med" len="med"/>
+                    </a:lnT>
+                    <a:lnB w="12700" cap="flat" cmpd="sng" algn="ctr">
+                      <a:solidFill>
+                        <a:schemeClr val="tx1"/>
+                      </a:solidFill>
+                      <a:prstDash val="solid"/>
+                      <a:round/>
+                      <a:headEnd type="none" w="med" len="med"/>
+                      <a:tailEnd type="none" w="med" len="med"/>
+                    </a:lnB>
+                    <a:solidFill>
+                      <a:schemeClr val="bg1"/>
+                    </a:solidFill>
+                  </a:tcPr>
+                </a:tc>
+                <a:tc>
+                  <a:txBody>
+                    <a:bodyPr/>
+                    <a:lstStyle/>
+                    <a:p>
+                      <a:pPr algn="l" fontAlgn="ctr"/>
+                      <a:r>
+                        <a:rPr lang="pt-BR" sz="2400" u="none" strike="noStrike">
+                          <a:effectLst/>
+                        </a:rPr>
+                        <a:t>input</a:t>
+                      </a:r>
+                      <a:endParaRPr lang="pt-BR" sz="2400" b="0" i="0" u="none" strike="noStrike">
+                        <a:solidFill>
+                          <a:srgbClr val="000000"/>
+                        </a:solidFill>
+                        <a:effectLst/>
+                        <a:latin typeface="Calibri" panose="020F0502020204030204" pitchFamily="34" charset="0"/>
+                      </a:endParaRPr>
+                    </a:p>
+                  </a:txBody>
+                  <a:tcPr marL="7620" marR="7620" marT="7620" marB="0" anchor="ctr">
+                    <a:lnL w="12700" cap="flat" cmpd="sng" algn="ctr">
+                      <a:solidFill>
+                        <a:schemeClr val="tx1"/>
+                      </a:solidFill>
+                      <a:prstDash val="solid"/>
+                      <a:round/>
+                      <a:headEnd type="none" w="med" len="med"/>
+                      <a:tailEnd type="none" w="med" len="med"/>
+                    </a:lnL>
+                    <a:lnR w="12700" cap="flat" cmpd="sng" algn="ctr">
+                      <a:solidFill>
+                        <a:schemeClr val="tx1"/>
+                      </a:solidFill>
+                      <a:prstDash val="solid"/>
+                      <a:round/>
+                      <a:headEnd type="none" w="med" len="med"/>
+                      <a:tailEnd type="none" w="med" len="med"/>
+                    </a:lnR>
+                    <a:lnT w="12700" cap="flat" cmpd="sng" algn="ctr">
+                      <a:solidFill>
+                        <a:schemeClr val="tx1"/>
+                      </a:solidFill>
+                      <a:prstDash val="solid"/>
+                      <a:round/>
+                      <a:headEnd type="none" w="med" len="med"/>
+                      <a:tailEnd type="none" w="med" len="med"/>
+                    </a:lnT>
+                    <a:lnB w="12700" cap="flat" cmpd="sng" algn="ctr">
+                      <a:solidFill>
+                        <a:schemeClr val="tx1"/>
+                      </a:solidFill>
+                      <a:prstDash val="solid"/>
+                      <a:round/>
+                      <a:headEnd type="none" w="med" len="med"/>
+                      <a:tailEnd type="none" w="med" len="med"/>
+                    </a:lnB>
+                    <a:solidFill>
+                      <a:schemeClr val="bg1"/>
+                    </a:solidFill>
+                  </a:tcPr>
+                </a:tc>
+                <a:tc>
+                  <a:txBody>
+                    <a:bodyPr/>
+                    <a:lstStyle/>
+                    <a:p>
+                      <a:pPr algn="r" fontAlgn="ctr"/>
+                      <a:r>
+                        <a:rPr lang="pt-BR" sz="2400" u="none" strike="noStrike">
+                          <a:effectLst/>
+                        </a:rPr>
+                        <a:t>10</a:t>
+                      </a:r>
+                      <a:endParaRPr lang="pt-BR" sz="2400" b="0" i="0" u="none" strike="noStrike">
+                        <a:solidFill>
+                          <a:srgbClr val="000000"/>
+                        </a:solidFill>
+                        <a:effectLst/>
+                        <a:latin typeface="Calibri" panose="020F0502020204030204" pitchFamily="34" charset="0"/>
+                      </a:endParaRPr>
+                    </a:p>
+                  </a:txBody>
+                  <a:tcPr marL="7620" marR="7620" marT="7620" marB="0" anchor="ctr">
+                    <a:lnL w="12700" cap="flat" cmpd="sng" algn="ctr">
+                      <a:solidFill>
+                        <a:schemeClr val="tx1"/>
+                      </a:solidFill>
+                      <a:prstDash val="solid"/>
+                      <a:round/>
+                      <a:headEnd type="none" w="med" len="med"/>
+                      <a:tailEnd type="none" w="med" len="med"/>
+                    </a:lnL>
+                    <a:lnR w="12700" cap="flat" cmpd="sng" algn="ctr">
+                      <a:solidFill>
+                        <a:schemeClr val="tx1"/>
+                      </a:solidFill>
+                      <a:prstDash val="solid"/>
+                      <a:round/>
+                      <a:headEnd type="none" w="med" len="med"/>
+                      <a:tailEnd type="none" w="med" len="med"/>
+                    </a:lnR>
+                    <a:lnT w="12700" cap="flat" cmpd="sng" algn="ctr">
+                      <a:solidFill>
+                        <a:schemeClr val="tx1"/>
+                      </a:solidFill>
+                      <a:prstDash val="solid"/>
+                      <a:round/>
+                      <a:headEnd type="none" w="med" len="med"/>
+                      <a:tailEnd type="none" w="med" len="med"/>
+                    </a:lnT>
+                    <a:lnB w="12700" cap="flat" cmpd="sng" algn="ctr">
+                      <a:solidFill>
+                        <a:schemeClr val="tx1"/>
+                      </a:solidFill>
+                      <a:prstDash val="solid"/>
+                      <a:round/>
+                      <a:headEnd type="none" w="med" len="med"/>
+                      <a:tailEnd type="none" w="med" len="med"/>
+                    </a:lnB>
+                    <a:solidFill>
+                      <a:schemeClr val="bg1"/>
+                    </a:solidFill>
+                  </a:tcPr>
+                </a:tc>
+                <a:extLst>
+                  <a:ext uri="{0D108BD9-81ED-4DB2-BD59-A6C34878D82A}">
+                    <a16:rowId xmlns:a16="http://schemas.microsoft.com/office/drawing/2014/main" val="3639237385"/>
+                  </a:ext>
+                </a:extLst>
+              </a:tr>
+              <a:tr h="182880">
+                <a:tc vMerge="1">
+                  <a:txBody>
+                    <a:bodyPr/>
+                    <a:lstStyle/>
+                    <a:p>
+                      <a:endParaRPr lang="pt-BR"/>
+                    </a:p>
+                  </a:txBody>
+                  <a:tcPr/>
+                </a:tc>
+                <a:tc>
+                  <a:txBody>
+                    <a:bodyPr/>
+                    <a:lstStyle/>
+                    <a:p>
+                      <a:pPr algn="l" fontAlgn="ctr"/>
+                      <a:r>
+                        <a:rPr lang="pt-BR" sz="2400" u="none" strike="noStrike">
+                          <a:effectLst/>
+                        </a:rPr>
+                        <a:t>output</a:t>
+                      </a:r>
+                      <a:endParaRPr lang="pt-BR" sz="2400" b="0" i="0" u="none" strike="noStrike">
+                        <a:solidFill>
+                          <a:srgbClr val="000000"/>
+                        </a:solidFill>
+                        <a:effectLst/>
+                        <a:latin typeface="Calibri" panose="020F0502020204030204" pitchFamily="34" charset="0"/>
+                      </a:endParaRPr>
+                    </a:p>
+                  </a:txBody>
+                  <a:tcPr marL="7620" marR="7620" marT="7620" marB="0" anchor="ctr">
+                    <a:lnL w="12700" cap="flat" cmpd="sng" algn="ctr">
+                      <a:solidFill>
+                        <a:schemeClr val="tx1"/>
+                      </a:solidFill>
+                      <a:prstDash val="solid"/>
+                      <a:round/>
+                      <a:headEnd type="none" w="med" len="med"/>
+                      <a:tailEnd type="none" w="med" len="med"/>
+                    </a:lnL>
+                    <a:lnR w="12700" cap="flat" cmpd="sng" algn="ctr">
+                      <a:solidFill>
+                        <a:schemeClr val="tx1"/>
+                      </a:solidFill>
+                      <a:prstDash val="solid"/>
+                      <a:round/>
+                      <a:headEnd type="none" w="med" len="med"/>
+                      <a:tailEnd type="none" w="med" len="med"/>
+                    </a:lnR>
+                    <a:lnT w="12700" cap="flat" cmpd="sng" algn="ctr">
+                      <a:solidFill>
+                        <a:schemeClr val="tx1"/>
+                      </a:solidFill>
+                      <a:prstDash val="solid"/>
+                      <a:round/>
+                      <a:headEnd type="none" w="med" len="med"/>
+                      <a:tailEnd type="none" w="med" len="med"/>
+                    </a:lnT>
+                    <a:lnB w="12700" cap="flat" cmpd="sng" algn="ctr">
+                      <a:solidFill>
+                        <a:schemeClr val="tx1"/>
+                      </a:solidFill>
+                      <a:prstDash val="solid"/>
+                      <a:round/>
+                      <a:headEnd type="none" w="med" len="med"/>
+                      <a:tailEnd type="none" w="med" len="med"/>
+                    </a:lnB>
+                    <a:solidFill>
+                      <a:schemeClr val="bg1"/>
+                    </a:solidFill>
+                  </a:tcPr>
+                </a:tc>
+                <a:tc>
+                  <a:txBody>
+                    <a:bodyPr/>
+                    <a:lstStyle/>
+                    <a:p>
+                      <a:pPr algn="r" fontAlgn="ctr"/>
+                      <a:r>
+                        <a:rPr lang="pt-BR" sz="2400" u="none" strike="noStrike" dirty="0">
+                          <a:effectLst/>
+                        </a:rPr>
+                        <a:t>1</a:t>
+                      </a:r>
+                      <a:endParaRPr lang="pt-BR" sz="2400" b="0" i="0" u="none" strike="noStrike" dirty="0">
+                        <a:solidFill>
+                          <a:srgbClr val="000000"/>
+                        </a:solidFill>
+                        <a:effectLst/>
+                        <a:latin typeface="Calibri" panose="020F0502020204030204" pitchFamily="34" charset="0"/>
+                      </a:endParaRPr>
+                    </a:p>
+                  </a:txBody>
+                  <a:tcPr marL="7620" marR="7620" marT="7620" marB="0" anchor="ctr">
+                    <a:lnL w="12700" cap="flat" cmpd="sng" algn="ctr">
+                      <a:solidFill>
+                        <a:schemeClr val="tx1"/>
+                      </a:solidFill>
+                      <a:prstDash val="solid"/>
+                      <a:round/>
+                      <a:headEnd type="none" w="med" len="med"/>
+                      <a:tailEnd type="none" w="med" len="med"/>
+                    </a:lnL>
+                    <a:lnR w="12700" cap="flat" cmpd="sng" algn="ctr">
+                      <a:solidFill>
+                        <a:schemeClr val="tx1"/>
+                      </a:solidFill>
+                      <a:prstDash val="solid"/>
+                      <a:round/>
+                      <a:headEnd type="none" w="med" len="med"/>
+                      <a:tailEnd type="none" w="med" len="med"/>
+                    </a:lnR>
+                    <a:lnT w="12700" cap="flat" cmpd="sng" algn="ctr">
+                      <a:solidFill>
+                        <a:schemeClr val="tx1"/>
+                      </a:solidFill>
+                      <a:prstDash val="solid"/>
+                      <a:round/>
+                      <a:headEnd type="none" w="med" len="med"/>
+                      <a:tailEnd type="none" w="med" len="med"/>
+                    </a:lnT>
+                    <a:lnB w="12700" cap="flat" cmpd="sng" algn="ctr">
+                      <a:solidFill>
+                        <a:schemeClr val="tx1"/>
+                      </a:solidFill>
+                      <a:prstDash val="solid"/>
+                      <a:round/>
+                      <a:headEnd type="none" w="med" len="med"/>
+                      <a:tailEnd type="none" w="med" len="med"/>
+                    </a:lnB>
+                    <a:solidFill>
+                      <a:schemeClr val="bg1"/>
+                    </a:solidFill>
+                  </a:tcPr>
+                </a:tc>
+                <a:extLst>
+                  <a:ext uri="{0D108BD9-81ED-4DB2-BD59-A6C34878D82A}">
+                    <a16:rowId xmlns:a16="http://schemas.microsoft.com/office/drawing/2014/main" val="1347425560"/>
+                  </a:ext>
+                </a:extLst>
+              </a:tr>
+            </a:tbl>
+          </a:graphicData>
+        </a:graphic>
+      </p:graphicFrame>
+      <p:sp>
+        <p:nvSpPr>
+          <p:cNvPr id="20" name="Espaço Reservado para Conteúdo 3">
+            <a:extLst>
+              <a:ext uri="{FF2B5EF4-FFF2-40B4-BE49-F238E27FC236}">
+                <a16:creationId xmlns:a16="http://schemas.microsoft.com/office/drawing/2014/main" id="{40EB15B5-83D7-473E-8C4C-099C28ED2694}"/>
+              </a:ext>
+            </a:extLst>
+          </p:cNvPr>
+          <p:cNvSpPr txBox="1">
+            <a:spLocks/>
+          </p:cNvSpPr>
+          <p:nvPr/>
+        </p:nvSpPr>
+        <p:spPr>
+          <a:xfrm>
+            <a:off x="7068093" y="2228003"/>
+            <a:ext cx="5422392" cy="3633047"/>
+          </a:xfrm>
+          <a:prstGeom prst="rect">
+            <a:avLst/>
+          </a:prstGeom>
+        </p:spPr>
+        <p:txBody>
+          <a:bodyPr vert="horz" lIns="91440" tIns="45720" rIns="91440" bIns="45720" rtlCol="0" anchor="ctr">
+            <a:normAutofit/>
+          </a:bodyPr>
+          <a:lstStyle>
+            <a:lvl1pPr marL="306000" indent="-306000" algn="l" defTabSz="457200" rtl="0" eaLnBrk="1" latinLnBrk="0" hangingPunct="1">
+              <a:spcBef>
+                <a:spcPct val="20000"/>
+              </a:spcBef>
+              <a:spcAft>
+                <a:spcPts val="600"/>
+              </a:spcAft>
+              <a:buClr>
+                <a:schemeClr val="accent2"/>
+              </a:buClr>
+              <a:buSzPct val="92000"/>
+              <a:buFont typeface="Wingdings 2" panose="05020102010507070707" pitchFamily="18" charset="2"/>
+              <a:buChar char=""/>
+              <a:defRPr sz="1800" kern="1200">
+                <a:solidFill>
+                  <a:schemeClr val="tx2"/>
+                </a:solidFill>
+                <a:latin typeface="+mn-lt"/>
+                <a:ea typeface="+mn-ea"/>
+                <a:cs typeface="+mn-cs"/>
+              </a:defRPr>
+            </a:lvl1pPr>
+            <a:lvl2pPr marL="630000" indent="-306000" algn="l" defTabSz="457200" rtl="0" eaLnBrk="1" latinLnBrk="0" hangingPunct="1">
+              <a:spcBef>
+                <a:spcPct val="20000"/>
+              </a:spcBef>
+              <a:spcAft>
+                <a:spcPts val="600"/>
+              </a:spcAft>
+              <a:buClr>
+                <a:schemeClr val="accent2"/>
+              </a:buClr>
+              <a:buSzPct val="92000"/>
+              <a:buFont typeface="Wingdings 2" panose="05020102010507070707" pitchFamily="18" charset="2"/>
+              <a:buChar char=""/>
+              <a:defRPr sz="1600" kern="1200">
+                <a:solidFill>
+                  <a:schemeClr val="tx2"/>
+                </a:solidFill>
+                <a:latin typeface="+mn-lt"/>
+                <a:ea typeface="+mn-ea"/>
+                <a:cs typeface="+mn-cs"/>
+              </a:defRPr>
+            </a:lvl2pPr>
+            <a:lvl3pPr marL="900000" indent="-270000" algn="l" defTabSz="457200" rtl="0" eaLnBrk="1" latinLnBrk="0" hangingPunct="1">
+              <a:spcBef>
+                <a:spcPct val="20000"/>
+              </a:spcBef>
+              <a:spcAft>
+                <a:spcPts val="600"/>
+              </a:spcAft>
+              <a:buClr>
+                <a:schemeClr val="accent2"/>
+              </a:buClr>
+              <a:buSzPct val="92000"/>
+              <a:buFont typeface="Wingdings 2" panose="05020102010507070707" pitchFamily="18" charset="2"/>
+              <a:buChar char=""/>
+              <a:defRPr sz="1400" kern="1200">
+                <a:solidFill>
+                  <a:schemeClr val="tx2"/>
+                </a:solidFill>
+                <a:latin typeface="+mn-lt"/>
+                <a:ea typeface="+mn-ea"/>
+                <a:cs typeface="+mn-cs"/>
+              </a:defRPr>
+            </a:lvl3pPr>
+            <a:lvl4pPr marL="1242000" indent="-234000" algn="l" defTabSz="457200" rtl="0" eaLnBrk="1" latinLnBrk="0" hangingPunct="1">
+              <a:spcBef>
+                <a:spcPct val="20000"/>
+              </a:spcBef>
+              <a:spcAft>
+                <a:spcPts val="600"/>
+              </a:spcAft>
+              <a:buClr>
+                <a:schemeClr val="accent2"/>
+              </a:buClr>
+              <a:buSzPct val="92000"/>
+              <a:buFont typeface="Wingdings 2" panose="05020102010507070707" pitchFamily="18" charset="2"/>
+              <a:buChar char=""/>
+              <a:defRPr sz="1200" kern="1200">
+                <a:solidFill>
+                  <a:schemeClr val="tx2"/>
+                </a:solidFill>
+                <a:latin typeface="+mn-lt"/>
+                <a:ea typeface="+mn-ea"/>
+                <a:cs typeface="+mn-cs"/>
+              </a:defRPr>
+            </a:lvl4pPr>
+            <a:lvl5pPr marL="1602000" indent="-234000" algn="l" defTabSz="457200" rtl="0" eaLnBrk="1" latinLnBrk="0" hangingPunct="1">
+              <a:spcBef>
+                <a:spcPct val="20000"/>
+              </a:spcBef>
+              <a:spcAft>
+                <a:spcPts val="600"/>
+              </a:spcAft>
+              <a:buClr>
+                <a:schemeClr val="accent2"/>
+              </a:buClr>
+              <a:buSzPct val="92000"/>
+              <a:buFont typeface="Wingdings 2" panose="05020102010507070707" pitchFamily="18" charset="2"/>
+              <a:buChar char=""/>
+              <a:defRPr sz="1200" kern="1200">
+                <a:solidFill>
+                  <a:schemeClr val="tx2"/>
+                </a:solidFill>
+                <a:latin typeface="+mn-lt"/>
+                <a:ea typeface="+mn-ea"/>
+                <a:cs typeface="+mn-cs"/>
+              </a:defRPr>
+            </a:lvl5pPr>
+            <a:lvl6pPr marL="1900000" indent="-228600" algn="l" defTabSz="457200" rtl="0" eaLnBrk="1" latinLnBrk="0" hangingPunct="1">
+              <a:spcBef>
+                <a:spcPct val="20000"/>
+              </a:spcBef>
+              <a:spcAft>
+                <a:spcPts val="600"/>
+              </a:spcAft>
+              <a:buClr>
+                <a:schemeClr val="accent2"/>
+              </a:buClr>
+              <a:buSzPct val="92000"/>
+              <a:buFont typeface="Wingdings 2" panose="05020102010507070707" pitchFamily="18" charset="2"/>
+              <a:buChar char=""/>
+              <a:defRPr sz="1200" kern="1200">
+                <a:solidFill>
+                  <a:schemeClr val="tx2"/>
+                </a:solidFill>
+                <a:latin typeface="+mn-lt"/>
+                <a:ea typeface="+mn-ea"/>
+                <a:cs typeface="+mn-cs"/>
+              </a:defRPr>
+            </a:lvl6pPr>
+            <a:lvl7pPr marL="2200000" indent="-228600" algn="l" defTabSz="457200" rtl="0" eaLnBrk="1" latinLnBrk="0" hangingPunct="1">
+              <a:spcBef>
+                <a:spcPct val="20000"/>
+              </a:spcBef>
+              <a:spcAft>
+                <a:spcPts val="600"/>
+              </a:spcAft>
+              <a:buClr>
+                <a:schemeClr val="accent2"/>
+              </a:buClr>
+              <a:buSzPct val="92000"/>
+              <a:buFont typeface="Wingdings 2" panose="05020102010507070707" pitchFamily="18" charset="2"/>
+              <a:buChar char=""/>
+              <a:defRPr sz="1200" kern="1200">
+                <a:solidFill>
+                  <a:schemeClr val="tx2"/>
+                </a:solidFill>
+                <a:latin typeface="+mn-lt"/>
+                <a:ea typeface="+mn-ea"/>
+                <a:cs typeface="+mn-cs"/>
+              </a:defRPr>
+            </a:lvl7pPr>
+            <a:lvl8pPr marL="2500000" indent="-228600" algn="l" defTabSz="457200" rtl="0" eaLnBrk="1" latinLnBrk="0" hangingPunct="1">
+              <a:spcBef>
+                <a:spcPct val="20000"/>
+              </a:spcBef>
+              <a:spcAft>
+                <a:spcPts val="600"/>
+              </a:spcAft>
+              <a:buClr>
+                <a:schemeClr val="accent2"/>
+              </a:buClr>
+              <a:buSzPct val="92000"/>
+              <a:buFont typeface="Wingdings 2" panose="05020102010507070707" pitchFamily="18" charset="2"/>
+              <a:buChar char=""/>
+              <a:defRPr sz="1200" kern="1200">
+                <a:solidFill>
+                  <a:schemeClr val="tx2"/>
+                </a:solidFill>
+                <a:latin typeface="+mn-lt"/>
+                <a:ea typeface="+mn-ea"/>
+                <a:cs typeface="+mn-cs"/>
+              </a:defRPr>
+            </a:lvl8pPr>
+            <a:lvl9pPr marL="2800000" indent="-228600" algn="l" defTabSz="457200" rtl="0" eaLnBrk="1" latinLnBrk="0" hangingPunct="1">
+              <a:spcBef>
+                <a:spcPct val="20000"/>
+              </a:spcBef>
+              <a:spcAft>
+                <a:spcPts val="600"/>
+              </a:spcAft>
+              <a:buClr>
+                <a:schemeClr val="accent2"/>
+              </a:buClr>
+              <a:buSzPct val="92000"/>
+              <a:buFont typeface="Wingdings 2" panose="05020102010507070707" pitchFamily="18" charset="2"/>
+              <a:buChar char=""/>
+              <a:defRPr sz="1200" kern="1200">
+                <a:solidFill>
+                  <a:schemeClr val="tx2"/>
+                </a:solidFill>
+                <a:latin typeface="+mn-lt"/>
+                <a:ea typeface="+mn-ea"/>
+                <a:cs typeface="+mn-cs"/>
+              </a:defRPr>
+            </a:lvl9pPr>
+          </a:lstStyle>
+          <a:p>
+            <a:r>
+              <a:rPr lang="pt-BR" dirty="0"/>
+              <a:t>Parâmetros otimizados</a:t>
+            </a:r>
+          </a:p>
+          <a:p>
+            <a:r>
+              <a:rPr lang="en-US" dirty="0" err="1"/>
+              <a:t>dropout_rate</a:t>
+            </a:r>
+            <a:r>
+              <a:rPr lang="en-US" dirty="0"/>
+              <a:t> = [0.4]</a:t>
+            </a:r>
+            <a:endParaRPr lang="pt-BR" dirty="0"/>
+          </a:p>
+          <a:p>
+            <a:r>
+              <a:rPr lang="pt-BR" dirty="0" err="1"/>
+              <a:t>optimizer</a:t>
+            </a:r>
+            <a:r>
+              <a:rPr lang="pt-BR" dirty="0"/>
+              <a:t> = [ Adam]</a:t>
+            </a:r>
+          </a:p>
+          <a:p>
+            <a:r>
+              <a:rPr lang="pt-BR" dirty="0" err="1"/>
+              <a:t>activation</a:t>
+            </a:r>
+            <a:r>
+              <a:rPr lang="pt-BR" dirty="0"/>
+              <a:t> =  [‘linear']</a:t>
+            </a:r>
+          </a:p>
+          <a:p>
+            <a:r>
+              <a:rPr lang="en-US" dirty="0"/>
+              <a:t>epochs = [30]</a:t>
+            </a:r>
+          </a:p>
+          <a:p>
+            <a:r>
+              <a:rPr lang="en-US" dirty="0" err="1"/>
+              <a:t>batch_size</a:t>
+            </a:r>
+            <a:r>
+              <a:rPr lang="en-US" dirty="0"/>
+              <a:t> = [5]</a:t>
+            </a:r>
+            <a:endParaRPr lang="pt-BR" dirty="0"/>
+          </a:p>
+          <a:p>
+            <a:endParaRPr lang="pt-BR" dirty="0"/>
+          </a:p>
+          <a:p>
+            <a:endParaRPr lang="pt-BR" dirty="0"/>
+          </a:p>
+          <a:p>
+            <a:endParaRPr lang="pt-BR" dirty="0"/>
+          </a:p>
+        </p:txBody>
+      </p:sp>
+      <p:sp>
+        <p:nvSpPr>
+          <p:cNvPr id="22" name="Espaço Reservado para Conteúdo 3">
+            <a:extLst>
+              <a:ext uri="{FF2B5EF4-FFF2-40B4-BE49-F238E27FC236}">
+                <a16:creationId xmlns:a16="http://schemas.microsoft.com/office/drawing/2014/main" id="{2F9F4166-008C-494E-A5E9-2389DC3A6B1A}"/>
+              </a:ext>
+            </a:extLst>
+          </p:cNvPr>
+          <p:cNvSpPr txBox="1">
+            <a:spLocks/>
+          </p:cNvSpPr>
+          <p:nvPr/>
+        </p:nvSpPr>
+        <p:spPr>
+          <a:xfrm>
+            <a:off x="581193" y="2091036"/>
+            <a:ext cx="5422392" cy="663739"/>
+          </a:xfrm>
+          <a:prstGeom prst="rect">
+            <a:avLst/>
+          </a:prstGeom>
+        </p:spPr>
+        <p:txBody>
+          <a:bodyPr vert="horz" lIns="91440" tIns="45720" rIns="91440" bIns="45720" rtlCol="0" anchor="ctr">
+            <a:normAutofit/>
+          </a:bodyPr>
+          <a:lstStyle>
+            <a:lvl1pPr marL="306000" indent="-306000" algn="l" defTabSz="457200" rtl="0" eaLnBrk="1" latinLnBrk="0" hangingPunct="1">
+              <a:spcBef>
+                <a:spcPct val="20000"/>
+              </a:spcBef>
+              <a:spcAft>
+                <a:spcPts val="600"/>
+              </a:spcAft>
+              <a:buClr>
+                <a:schemeClr val="accent2"/>
+              </a:buClr>
+              <a:buSzPct val="92000"/>
+              <a:buFont typeface="Wingdings 2" panose="05020102010507070707" pitchFamily="18" charset="2"/>
+              <a:buChar char=""/>
+              <a:defRPr sz="1800" kern="1200">
+                <a:solidFill>
+                  <a:schemeClr val="tx2"/>
+                </a:solidFill>
+                <a:latin typeface="+mn-lt"/>
+                <a:ea typeface="+mn-ea"/>
+                <a:cs typeface="+mn-cs"/>
+              </a:defRPr>
+            </a:lvl1pPr>
+            <a:lvl2pPr marL="630000" indent="-306000" algn="l" defTabSz="457200" rtl="0" eaLnBrk="1" latinLnBrk="0" hangingPunct="1">
+              <a:spcBef>
+                <a:spcPct val="20000"/>
+              </a:spcBef>
+              <a:spcAft>
+                <a:spcPts val="600"/>
+              </a:spcAft>
+              <a:buClr>
+                <a:schemeClr val="accent2"/>
+              </a:buClr>
+              <a:buSzPct val="92000"/>
+              <a:buFont typeface="Wingdings 2" panose="05020102010507070707" pitchFamily="18" charset="2"/>
+              <a:buChar char=""/>
+              <a:defRPr sz="1600" kern="1200">
+                <a:solidFill>
+                  <a:schemeClr val="tx2"/>
+                </a:solidFill>
+                <a:latin typeface="+mn-lt"/>
+                <a:ea typeface="+mn-ea"/>
+                <a:cs typeface="+mn-cs"/>
+              </a:defRPr>
+            </a:lvl2pPr>
+            <a:lvl3pPr marL="900000" indent="-270000" algn="l" defTabSz="457200" rtl="0" eaLnBrk="1" latinLnBrk="0" hangingPunct="1">
+              <a:spcBef>
+                <a:spcPct val="20000"/>
+              </a:spcBef>
+              <a:spcAft>
+                <a:spcPts val="600"/>
+              </a:spcAft>
+              <a:buClr>
+                <a:schemeClr val="accent2"/>
+              </a:buClr>
+              <a:buSzPct val="92000"/>
+              <a:buFont typeface="Wingdings 2" panose="05020102010507070707" pitchFamily="18" charset="2"/>
+              <a:buChar char=""/>
+              <a:defRPr sz="1400" kern="1200">
+                <a:solidFill>
+                  <a:schemeClr val="tx2"/>
+                </a:solidFill>
+                <a:latin typeface="+mn-lt"/>
+                <a:ea typeface="+mn-ea"/>
+                <a:cs typeface="+mn-cs"/>
+              </a:defRPr>
+            </a:lvl3pPr>
+            <a:lvl4pPr marL="1242000" indent="-234000" algn="l" defTabSz="457200" rtl="0" eaLnBrk="1" latinLnBrk="0" hangingPunct="1">
+              <a:spcBef>
+                <a:spcPct val="20000"/>
+              </a:spcBef>
+              <a:spcAft>
+                <a:spcPts val="600"/>
+              </a:spcAft>
+              <a:buClr>
+                <a:schemeClr val="accent2"/>
+              </a:buClr>
+              <a:buSzPct val="92000"/>
+              <a:buFont typeface="Wingdings 2" panose="05020102010507070707" pitchFamily="18" charset="2"/>
+              <a:buChar char=""/>
+              <a:defRPr sz="1200" kern="1200">
+                <a:solidFill>
+                  <a:schemeClr val="tx2"/>
+                </a:solidFill>
+                <a:latin typeface="+mn-lt"/>
+                <a:ea typeface="+mn-ea"/>
+                <a:cs typeface="+mn-cs"/>
+              </a:defRPr>
+            </a:lvl4pPr>
+            <a:lvl5pPr marL="1602000" indent="-234000" algn="l" defTabSz="457200" rtl="0" eaLnBrk="1" latinLnBrk="0" hangingPunct="1">
+              <a:spcBef>
+                <a:spcPct val="20000"/>
+              </a:spcBef>
+              <a:spcAft>
+                <a:spcPts val="600"/>
+              </a:spcAft>
+              <a:buClr>
+                <a:schemeClr val="accent2"/>
+              </a:buClr>
+              <a:buSzPct val="92000"/>
+              <a:buFont typeface="Wingdings 2" panose="05020102010507070707" pitchFamily="18" charset="2"/>
+              <a:buChar char=""/>
+              <a:defRPr sz="1200" kern="1200">
+                <a:solidFill>
+                  <a:schemeClr val="tx2"/>
+                </a:solidFill>
+                <a:latin typeface="+mn-lt"/>
+                <a:ea typeface="+mn-ea"/>
+                <a:cs typeface="+mn-cs"/>
+              </a:defRPr>
+            </a:lvl5pPr>
+            <a:lvl6pPr marL="1900000" indent="-228600" algn="l" defTabSz="457200" rtl="0" eaLnBrk="1" latinLnBrk="0" hangingPunct="1">
+              <a:spcBef>
+                <a:spcPct val="20000"/>
+              </a:spcBef>
+              <a:spcAft>
+                <a:spcPts val="600"/>
+              </a:spcAft>
+              <a:buClr>
+                <a:schemeClr val="accent2"/>
+              </a:buClr>
+              <a:buSzPct val="92000"/>
+              <a:buFont typeface="Wingdings 2" panose="05020102010507070707" pitchFamily="18" charset="2"/>
+              <a:buChar char=""/>
+              <a:defRPr sz="1200" kern="1200">
+                <a:solidFill>
+                  <a:schemeClr val="tx2"/>
+                </a:solidFill>
+                <a:latin typeface="+mn-lt"/>
+                <a:ea typeface="+mn-ea"/>
+                <a:cs typeface="+mn-cs"/>
+              </a:defRPr>
+            </a:lvl6pPr>
+            <a:lvl7pPr marL="2200000" indent="-228600" algn="l" defTabSz="457200" rtl="0" eaLnBrk="1" latinLnBrk="0" hangingPunct="1">
+              <a:spcBef>
+                <a:spcPct val="20000"/>
+              </a:spcBef>
+              <a:spcAft>
+                <a:spcPts val="600"/>
+              </a:spcAft>
+              <a:buClr>
+                <a:schemeClr val="accent2"/>
+              </a:buClr>
+              <a:buSzPct val="92000"/>
+              <a:buFont typeface="Wingdings 2" panose="05020102010507070707" pitchFamily="18" charset="2"/>
+              <a:buChar char=""/>
+              <a:defRPr sz="1200" kern="1200">
+                <a:solidFill>
+                  <a:schemeClr val="tx2"/>
+                </a:solidFill>
+                <a:latin typeface="+mn-lt"/>
+                <a:ea typeface="+mn-ea"/>
+                <a:cs typeface="+mn-cs"/>
+              </a:defRPr>
+            </a:lvl7pPr>
+            <a:lvl8pPr marL="2500000" indent="-228600" algn="l" defTabSz="457200" rtl="0" eaLnBrk="1" latinLnBrk="0" hangingPunct="1">
+              <a:spcBef>
+                <a:spcPct val="20000"/>
+              </a:spcBef>
+              <a:spcAft>
+                <a:spcPts val="600"/>
+              </a:spcAft>
+              <a:buClr>
+                <a:schemeClr val="accent2"/>
+              </a:buClr>
+              <a:buSzPct val="92000"/>
+              <a:buFont typeface="Wingdings 2" panose="05020102010507070707" pitchFamily="18" charset="2"/>
+              <a:buChar char=""/>
+              <a:defRPr sz="1200" kern="1200">
+                <a:solidFill>
+                  <a:schemeClr val="tx2"/>
+                </a:solidFill>
+                <a:latin typeface="+mn-lt"/>
+                <a:ea typeface="+mn-ea"/>
+                <a:cs typeface="+mn-cs"/>
+              </a:defRPr>
+            </a:lvl8pPr>
+            <a:lvl9pPr marL="2800000" indent="-228600" algn="l" defTabSz="457200" rtl="0" eaLnBrk="1" latinLnBrk="0" hangingPunct="1">
+              <a:spcBef>
+                <a:spcPct val="20000"/>
+              </a:spcBef>
+              <a:spcAft>
+                <a:spcPts val="600"/>
+              </a:spcAft>
+              <a:buClr>
+                <a:schemeClr val="accent2"/>
+              </a:buClr>
+              <a:buSzPct val="92000"/>
+              <a:buFont typeface="Wingdings 2" panose="05020102010507070707" pitchFamily="18" charset="2"/>
+              <a:buChar char=""/>
+              <a:defRPr sz="1200" kern="1200">
+                <a:solidFill>
+                  <a:schemeClr val="tx2"/>
+                </a:solidFill>
+                <a:latin typeface="+mn-lt"/>
+                <a:ea typeface="+mn-ea"/>
+                <a:cs typeface="+mn-cs"/>
+              </a:defRPr>
+            </a:lvl9pPr>
+          </a:lstStyle>
+          <a:p>
+            <a:r>
+              <a:rPr lang="pt-BR" sz="2200" dirty="0"/>
+              <a:t>Arquitetura da rede neural</a:t>
+            </a:r>
+          </a:p>
+        </p:txBody>
+      </p:sp>
+    </p:spTree>
+    <p:extLst>
+      <p:ext uri="{BB962C8B-B14F-4D97-AF65-F5344CB8AC3E}">
+        <p14:creationId xmlns:p14="http://schemas.microsoft.com/office/powerpoint/2010/main" val="4204399464"/>
+      </p:ext>
+    </p:extLst>
+  </p:cSld>
+  <p:clrMapOvr>
+    <a:masterClrMapping/>
+  </p:clrMapOvr>
+</p:sld>
+</file>
+
+<file path=ppt/slides/slide14.xml><?xml version="1.0" encoding="utf-8"?>
+<p:sld xmlns:a="http://schemas.openxmlformats.org/drawingml/2006/main" xmlns:r="http://schemas.openxmlformats.org/officeDocument/2006/relationships" xmlns:p="http://schemas.openxmlformats.org/presentationml/2006/main">
+  <p:cSld>
+    <p:spTree>
+      <p:nvGrpSpPr>
+        <p:cNvPr id="1" name=""/>
+        <p:cNvGrpSpPr/>
+        <p:nvPr/>
+      </p:nvGrpSpPr>
+      <p:grpSpPr>
+        <a:xfrm>
+          <a:off x="0" y="0"/>
+          <a:ext cx="0" cy="0"/>
+          <a:chOff x="0" y="0"/>
+          <a:chExt cx="0" cy="0"/>
+        </a:xfrm>
+      </p:grpSpPr>
+      <p:sp>
+        <p:nvSpPr>
+          <p:cNvPr id="2" name="Título 1">
+            <a:extLst>
+              <a:ext uri="{FF2B5EF4-FFF2-40B4-BE49-F238E27FC236}">
+                <a16:creationId xmlns:a16="http://schemas.microsoft.com/office/drawing/2014/main" id="{0B83B335-4EF5-4D04-831B-B3A624A54A92}"/>
+              </a:ext>
+            </a:extLst>
+          </p:cNvPr>
+          <p:cNvSpPr>
+            <a:spLocks noGrp="1"/>
+          </p:cNvSpPr>
+          <p:nvPr>
+            <p:ph type="title"/>
+          </p:nvPr>
+        </p:nvSpPr>
+        <p:spPr/>
+        <p:txBody>
+          <a:bodyPr/>
+          <a:lstStyle/>
+          <a:p>
+            <a:r>
+              <a:rPr lang="pt-BR" dirty="0"/>
+              <a:t>Modelagem dos dados</a:t>
+            </a:r>
+          </a:p>
+        </p:txBody>
+      </p:sp>
+      <p:sp>
+        <p:nvSpPr>
+          <p:cNvPr id="4" name="Espaço Reservado para Conteúdo 3">
+            <a:extLst>
+              <a:ext uri="{FF2B5EF4-FFF2-40B4-BE49-F238E27FC236}">
+                <a16:creationId xmlns:a16="http://schemas.microsoft.com/office/drawing/2014/main" id="{57E42BC7-4896-4EDD-B13F-5F7F8E81F112}"/>
+              </a:ext>
+            </a:extLst>
+          </p:cNvPr>
+          <p:cNvSpPr>
+            <a:spLocks noGrp="1"/>
+          </p:cNvSpPr>
+          <p:nvPr>
+            <p:ph sz="half" idx="2"/>
+          </p:nvPr>
+        </p:nvSpPr>
+        <p:spPr>
+          <a:xfrm>
+            <a:off x="8445481" y="2228002"/>
+            <a:ext cx="5422392" cy="3633047"/>
+          </a:xfrm>
+        </p:spPr>
+        <p:txBody>
+          <a:bodyPr>
+            <a:normAutofit/>
+          </a:bodyPr>
+          <a:lstStyle/>
+          <a:p>
+            <a:r>
+              <a:rPr lang="pt-BR" sz="2800" dirty="0"/>
+              <a:t>R-</a:t>
+            </a:r>
+            <a:r>
+              <a:rPr lang="pt-BR" sz="2800" dirty="0" err="1"/>
+              <a:t>squared</a:t>
+            </a:r>
+            <a:r>
+              <a:rPr lang="pt-BR" sz="2800" dirty="0"/>
+              <a:t> = 0,95</a:t>
+            </a:r>
+          </a:p>
+        </p:txBody>
+      </p:sp>
+      <p:pic>
+        <p:nvPicPr>
+          <p:cNvPr id="6" name="Imagem 5">
+            <a:extLst>
+              <a:ext uri="{FF2B5EF4-FFF2-40B4-BE49-F238E27FC236}">
+                <a16:creationId xmlns:a16="http://schemas.microsoft.com/office/drawing/2014/main" id="{CCD582EC-0B94-4E04-954E-A20B99691FCC}"/>
+              </a:ext>
+            </a:extLst>
+          </p:cNvPr>
+          <p:cNvPicPr>
+            <a:picLocks noChangeAspect="1"/>
+          </p:cNvPicPr>
+          <p:nvPr/>
+        </p:nvPicPr>
+        <p:blipFill>
+          <a:blip r:embed="rId2"/>
+          <a:stretch>
+            <a:fillRect/>
+          </a:stretch>
+        </p:blipFill>
+        <p:spPr>
+          <a:xfrm>
+            <a:off x="444238" y="2089290"/>
+            <a:ext cx="7553325" cy="4276725"/>
+          </a:xfrm>
+          <a:prstGeom prst="rect">
+            <a:avLst/>
+          </a:prstGeom>
+        </p:spPr>
+      </p:pic>
+    </p:spTree>
+    <p:extLst>
+      <p:ext uri="{BB962C8B-B14F-4D97-AF65-F5344CB8AC3E}">
+        <p14:creationId xmlns:p14="http://schemas.microsoft.com/office/powerpoint/2010/main" val="1563404472"/>
+      </p:ext>
+    </p:extLst>
+  </p:cSld>
+  <p:clrMapOvr>
+    <a:masterClrMapping/>
+  </p:clrMapOvr>
+</p:sld>
+</file>
+
+<file path=ppt/slides/slide15.xml><?xml version="1.0" encoding="utf-8"?>
 <p:sld xmlns:a="http://schemas.openxmlformats.org/drawingml/2006/main" xmlns:r="http://schemas.openxmlformats.org/officeDocument/2006/relationships" xmlns:p="http://schemas.openxmlformats.org/presentationml/2006/main">
   <p:cSld>
     <p:bg>
@@ -12771,20 +15874,20 @@
 </file>
 
 <file path=customXml/item2.xml><?xml version="1.0" encoding="utf-8"?>
+<p:properties xmlns:p="http://schemas.microsoft.com/office/2006/metadata/properties" xmlns:xsi="http://www.w3.org/2001/XMLSchema-instance" xmlns:pc="http://schemas.microsoft.com/office/infopath/2007/PartnerControls">
+  <documentManagement>
+    <MediaServiceKeyPoints xmlns="71af3243-3dd4-4a8d-8c0d-dd76da1f02a5" xsi:nil="true"/>
+  </documentManagement>
+</p:properties>
+</file>
+
+<file path=customXml/item3.xml><?xml version="1.0" encoding="utf-8"?>
 <?mso-contentType ?>
 <FormTemplates xmlns="http://schemas.microsoft.com/sharepoint/v3/contenttype/forms">
   <Display>DocumentLibraryForm</Display>
   <Edit>DocumentLibraryForm</Edit>
   <New>DocumentLibraryForm</New>
 </FormTemplates>
-</file>
-
-<file path=customXml/item3.xml><?xml version="1.0" encoding="utf-8"?>
-<p:properties xmlns:p="http://schemas.microsoft.com/office/2006/metadata/properties" xmlns:xsi="http://www.w3.org/2001/XMLSchema-instance" xmlns:pc="http://schemas.microsoft.com/office/infopath/2007/PartnerControls">
-  <documentManagement>
-    <MediaServiceKeyPoints xmlns="71af3243-3dd4-4a8d-8c0d-dd76da1f02a5" xsi:nil="true"/>
-  </documentManagement>
-</p:properties>
 </file>
 
 <file path=customXml/itemProps1.xml><?xml version="1.0" encoding="utf-8"?>
@@ -12807,14 +15910,6 @@
 </file>
 
 <file path=customXml/itemProps2.xml><?xml version="1.0" encoding="utf-8"?>
-<ds:datastoreItem xmlns:ds="http://schemas.openxmlformats.org/officeDocument/2006/customXml" ds:itemID="{BA0CF3B2-1F0F-4FC5-8002-3E4869ABAD55}">
-  <ds:schemaRefs>
-    <ds:schemaRef ds:uri="http://schemas.microsoft.com/sharepoint/v3/contenttype/forms"/>
-  </ds:schemaRefs>
-</ds:datastoreItem>
-</file>
-
-<file path=customXml/itemProps3.xml><?xml version="1.0" encoding="utf-8"?>
 <ds:datastoreItem xmlns:ds="http://schemas.openxmlformats.org/officeDocument/2006/customXml" ds:itemID="{1EBC12AA-1C15-4500-BC9C-8EE83A441DE9}">
   <ds:schemaRefs>
     <ds:schemaRef ds:uri="http://schemas.microsoft.com/office/2006/metadata/properties"/>
@@ -12822,4 +15917,12 @@
     <ds:schemaRef ds:uri="71af3243-3dd4-4a8d-8c0d-dd76da1f02a5"/>
   </ds:schemaRefs>
 </ds:datastoreItem>
+</file>
+
+<file path=customXml/itemProps3.xml><?xml version="1.0" encoding="utf-8"?>
+<ds:datastoreItem xmlns:ds="http://schemas.openxmlformats.org/officeDocument/2006/customXml" ds:itemID="{BA0CF3B2-1F0F-4FC5-8002-3E4869ABAD55}">
+  <ds:schemaRefs>
+    <ds:schemaRef ds:uri="http://schemas.microsoft.com/sharepoint/v3/contenttype/forms"/>
+  </ds:schemaRefs>
+</ds:datastoreItem>
 </file>